--- a/811M-Ch01_ToolsetOverview.pptx
+++ b/811M-Ch01_ToolsetOverview.pptx
@@ -304,7 +304,7 @@
                 <a:ea typeface="Tahoma" pitchFamily="34" charset="0"/>
                 <a:cs typeface="Tahoma" pitchFamily="34" charset="0"/>
               </a:rPr>
-              <a:t>592: Data Science with Python</a:t>
+              <a:t>811M: Python for Data Scientists</a:t>
             </a:r>
           </a:p>
         </p:txBody>
@@ -826,7 +826,7 @@
                 </a:solidFill>
                 <a:latin typeface="Tahoma" pitchFamily="34" charset="0"/>
               </a:rPr>
-              <a:t>592: Data Science with Python</a:t>
+              <a:t>811M: Python for Data Scientists</a:t>
             </a:r>
           </a:p>
         </p:txBody>
@@ -1222,7 +1222,7 @@
           <a:bodyPr/>
           <a:lstStyle/>
           <a:p>
-            <a:endParaRPr lang="en-US"/>
+            <a:endParaRPr lang="en-US" dirty="0"/>
           </a:p>
         </p:txBody>
       </p:sp>
@@ -1288,7 +1288,7 @@
           <a:bodyPr/>
           <a:lstStyle/>
           <a:p>
-            <a:endParaRPr lang="en-US"/>
+            <a:endParaRPr lang="en-US" dirty="0"/>
           </a:p>
         </p:txBody>
       </p:sp>
@@ -1354,7 +1354,7 @@
           <a:bodyPr/>
           <a:lstStyle/>
           <a:p>
-            <a:endParaRPr lang="en-US"/>
+            <a:endParaRPr lang="en-US" dirty="0"/>
           </a:p>
         </p:txBody>
       </p:sp>
@@ -1420,7 +1420,7 @@
           <a:bodyPr/>
           <a:lstStyle/>
           <a:p>
-            <a:endParaRPr lang="en-US"/>
+            <a:endParaRPr lang="en-US" dirty="0"/>
           </a:p>
         </p:txBody>
       </p:sp>
@@ -1486,7 +1486,7 @@
           <a:bodyPr/>
           <a:lstStyle/>
           <a:p>
-            <a:endParaRPr lang="en-US"/>
+            <a:endParaRPr lang="en-US" dirty="0"/>
           </a:p>
         </p:txBody>
       </p:sp>
@@ -1668,7 +1668,12 @@
             <p:ph type="sldImg"/>
           </p:nvPr>
         </p:nvSpPr>
-        <p:spPr/>
+        <p:spPr>
+          <a:xfrm>
+            <a:off x="1189038" y="701675"/>
+            <a:ext cx="4676775" cy="3508375"/>
+          </a:xfrm>
+        </p:spPr>
       </p:sp>
       <p:sp>
         <p:nvSpPr>
@@ -1691,7 +1696,7 @@
           <a:bodyPr/>
           <a:lstStyle/>
           <a:p>
-            <a:endParaRPr lang="en-US"/>
+            <a:endParaRPr lang="en-US" dirty="0"/>
           </a:p>
         </p:txBody>
       </p:sp>
@@ -1741,7 +1746,12 @@
             <p:ph type="sldImg"/>
           </p:nvPr>
         </p:nvSpPr>
-        <p:spPr/>
+        <p:spPr>
+          <a:xfrm>
+            <a:off x="1189038" y="701675"/>
+            <a:ext cx="4676775" cy="3508375"/>
+          </a:xfrm>
+        </p:spPr>
       </p:sp>
       <p:sp>
         <p:nvSpPr>
@@ -1764,7 +1774,7 @@
           <a:bodyPr/>
           <a:lstStyle/>
           <a:p>
-            <a:endParaRPr lang="en-US"/>
+            <a:endParaRPr lang="en-US" dirty="0"/>
           </a:p>
         </p:txBody>
       </p:sp>
@@ -1798,6 +1808,49 @@
           <a:chExt cx="0" cy="0"/>
         </a:xfrm>
       </p:grpSpPr>
+      <p:sp>
+        <p:nvSpPr>
+          <p:cNvPr id="4" name="Slide Image Placeholder 3">
+            <a:extLst>
+              <a:ext uri="{FF2B5EF4-FFF2-40B4-BE49-F238E27FC236}">
+                <a16:creationId xmlns:a16="http://schemas.microsoft.com/office/drawing/2014/main" id="{24C00EDC-5BC7-4D20-AA70-6361FFDBE0E4}"/>
+              </a:ext>
+            </a:extLst>
+          </p:cNvPr>
+          <p:cNvSpPr>
+            <a:spLocks noGrp="1" noRot="1" noChangeAspect="1"/>
+          </p:cNvSpPr>
+          <p:nvPr>
+            <p:ph type="sldImg"/>
+          </p:nvPr>
+        </p:nvSpPr>
+        <p:spPr/>
+      </p:sp>
+      <p:sp>
+        <p:nvSpPr>
+          <p:cNvPr id="5" name="Notes Placeholder 4">
+            <a:extLst>
+              <a:ext uri="{FF2B5EF4-FFF2-40B4-BE49-F238E27FC236}">
+                <a16:creationId xmlns:a16="http://schemas.microsoft.com/office/drawing/2014/main" id="{5841635E-8EB2-4BB7-93CA-C280ADBC5821}"/>
+              </a:ext>
+            </a:extLst>
+          </p:cNvPr>
+          <p:cNvSpPr>
+            <a:spLocks noGrp="1"/>
+          </p:cNvSpPr>
+          <p:nvPr>
+            <p:ph type="body" idx="1"/>
+          </p:nvPr>
+        </p:nvSpPr>
+        <p:spPr/>
+        <p:txBody>
+          <a:bodyPr/>
+          <a:lstStyle/>
+          <a:p>
+            <a:endParaRPr lang="en-US"/>
+          </a:p>
+        </p:txBody>
+      </p:sp>
     </p:spTree>
     <p:extLst>
       <p:ext uri="{BB962C8B-B14F-4D97-AF65-F5344CB8AC3E}">
@@ -1844,7 +1897,12 @@
             <p:ph type="sldImg"/>
           </p:nvPr>
         </p:nvSpPr>
-        <p:spPr/>
+        <p:spPr>
+          <a:xfrm>
+            <a:off x="1189038" y="701675"/>
+            <a:ext cx="4676775" cy="3508375"/>
+          </a:xfrm>
+        </p:spPr>
       </p:sp>
       <p:sp>
         <p:nvSpPr>
@@ -1867,7 +1925,7 @@
           <a:bodyPr/>
           <a:lstStyle/>
           <a:p>
-            <a:endParaRPr lang="en-US"/>
+            <a:endParaRPr lang="en-US" dirty="0"/>
           </a:p>
         </p:txBody>
       </p:sp>
@@ -1933,7 +1991,7 @@
           <a:bodyPr/>
           <a:lstStyle/>
           <a:p>
-            <a:endParaRPr lang="en-US"/>
+            <a:endParaRPr lang="en-US" dirty="0"/>
           </a:p>
         </p:txBody>
       </p:sp>
@@ -2011,7 +2069,7 @@
           <a:bodyPr/>
           <a:lstStyle/>
           <a:p>
-            <a:endParaRPr lang="en-US"/>
+            <a:endParaRPr lang="en-US" dirty="0"/>
           </a:p>
         </p:txBody>
       </p:sp>
@@ -2089,7 +2147,7 @@
           <a:bodyPr/>
           <a:lstStyle/>
           <a:p>
-            <a:endParaRPr lang="en-US"/>
+            <a:endParaRPr lang="en-US" dirty="0"/>
           </a:p>
         </p:txBody>
       </p:sp>
@@ -2167,7 +2225,7 @@
           <a:bodyPr/>
           <a:lstStyle/>
           <a:p>
-            <a:endParaRPr lang="en-US"/>
+            <a:endParaRPr lang="en-US" dirty="0"/>
           </a:p>
         </p:txBody>
       </p:sp>
@@ -2245,7 +2303,7 @@
           <a:bodyPr/>
           <a:lstStyle/>
           <a:p>
-            <a:endParaRPr lang="en-US"/>
+            <a:endParaRPr lang="en-US" dirty="0"/>
           </a:p>
         </p:txBody>
       </p:sp>
@@ -2311,7 +2369,7 @@
           <a:bodyPr/>
           <a:lstStyle/>
           <a:p>
-            <a:endParaRPr lang="en-US"/>
+            <a:endParaRPr lang="en-US" dirty="0"/>
           </a:p>
         </p:txBody>
       </p:sp>
@@ -2377,7 +2435,7 @@
           <a:bodyPr/>
           <a:lstStyle/>
           <a:p>
-            <a:endParaRPr lang="en-US"/>
+            <a:endParaRPr lang="en-US" dirty="0"/>
           </a:p>
         </p:txBody>
       </p:sp>
@@ -2443,7 +2501,7 @@
           <a:bodyPr/>
           <a:lstStyle/>
           <a:p>
-            <a:endParaRPr lang="en-US"/>
+            <a:endParaRPr lang="en-US" dirty="0"/>
           </a:p>
         </p:txBody>
       </p:sp>
@@ -2509,7 +2567,7 @@
           <a:bodyPr/>
           <a:lstStyle/>
           <a:p>
-            <a:endParaRPr lang="en-US"/>
+            <a:endParaRPr lang="en-US" dirty="0"/>
           </a:p>
         </p:txBody>
       </p:sp>
@@ -2575,7 +2633,7 @@
           <a:bodyPr/>
           <a:lstStyle/>
           <a:p>
-            <a:endParaRPr lang="en-US"/>
+            <a:endParaRPr lang="en-US" dirty="0"/>
           </a:p>
         </p:txBody>
       </p:sp>
@@ -2641,7 +2699,7 @@
           <a:bodyPr/>
           <a:lstStyle/>
           <a:p>
-            <a:endParaRPr lang="en-US"/>
+            <a:endParaRPr lang="en-US" dirty="0"/>
           </a:p>
         </p:txBody>
       </p:sp>
@@ -2707,7 +2765,7 @@
           <a:bodyPr/>
           <a:lstStyle/>
           <a:p>
-            <a:endParaRPr lang="en-US"/>
+            <a:endParaRPr lang="en-US" dirty="0"/>
           </a:p>
         </p:txBody>
       </p:sp>
@@ -2773,7 +2831,7 @@
           <a:bodyPr/>
           <a:lstStyle/>
           <a:p>
-            <a:endParaRPr lang="en-US"/>
+            <a:endParaRPr lang="en-US" dirty="0"/>
           </a:p>
         </p:txBody>
       </p:sp>
@@ -2839,7 +2897,7 @@
           <a:bodyPr/>
           <a:lstStyle/>
           <a:p>
-            <a:endParaRPr lang="en-US"/>
+            <a:endParaRPr lang="en-US" dirty="0"/>
           </a:p>
         </p:txBody>
       </p:sp>
@@ -2905,7 +2963,7 @@
           <a:bodyPr/>
           <a:lstStyle/>
           <a:p>
-            <a:endParaRPr lang="en-US"/>
+            <a:endParaRPr lang="en-US" dirty="0"/>
           </a:p>
         </p:txBody>
       </p:sp>
@@ -2971,7 +3029,7 @@
           <a:bodyPr/>
           <a:lstStyle/>
           <a:p>
-            <a:endParaRPr lang="en-US"/>
+            <a:endParaRPr lang="en-US" dirty="0"/>
           </a:p>
         </p:txBody>
       </p:sp>
@@ -3037,7 +3095,7 @@
           <a:bodyPr/>
           <a:lstStyle/>
           <a:p>
-            <a:endParaRPr lang="en-US"/>
+            <a:endParaRPr lang="en-US" dirty="0"/>
           </a:p>
         </p:txBody>
       </p:sp>
@@ -3103,7 +3161,7 @@
           <a:bodyPr/>
           <a:lstStyle/>
           <a:p>
-            <a:endParaRPr lang="en-US"/>
+            <a:endParaRPr lang="en-US" dirty="0"/>
           </a:p>
         </p:txBody>
       </p:sp>
@@ -3499,7 +3557,7 @@
           <a:bodyPr/>
           <a:lstStyle/>
           <a:p>
-            <a:endParaRPr lang="en-US"/>
+            <a:endParaRPr lang="en-US" dirty="0"/>
           </a:p>
         </p:txBody>
       </p:sp>
@@ -7254,7 +7312,7 @@
                 <a:ea typeface="Tahoma" panose="020B0604030504040204" pitchFamily="34" charset="0"/>
                 <a:cs typeface="Tahoma" panose="020B0604030504040204" pitchFamily="34" charset="0"/>
               </a:rPr>
-              <a:t>592: Data Science with Python</a:t>
+              <a:t>811M: Python for Data Scientists</a:t>
             </a:r>
           </a:p>
         </p:txBody>
@@ -7964,7 +8022,7 @@
       </a:lvl9pPr>
     </p:otherStyle>
   </p:txStyles>
-  <p:extLst mod="1">
+  <p:extLst>
     <p:ext uri="{27BBF7A9-308A-43DC-89C8-2F10F3537804}">
       <p15:sldGuideLst xmlns:p15="http://schemas.microsoft.com/office/powerpoint/2012/main"/>
     </p:ext>
@@ -8038,7 +8096,7 @@
           <a:p>
             <a:r>
               <a:rPr lang="en-US" dirty="0"/>
-              <a:t>Data Science with Python</a:t>
+              <a:t>Python for Data Scientists</a:t>
             </a:r>
           </a:p>
         </p:txBody>
@@ -8083,12 +8141,7 @@
             <p:ph idx="1"/>
           </p:nvPr>
         </p:nvSpPr>
-        <p:spPr>
-          <a:xfrm>
-            <a:off x="635454" y="917557"/>
-            <a:ext cx="8020050" cy="5072616"/>
-          </a:xfrm>
-        </p:spPr>
+        <p:spPr/>
         <p:txBody>
           <a:bodyPr/>
           <a:lstStyle/>
@@ -8102,52 +8155,52 @@
             <a:pPr lvl="1"/>
             <a:r>
               <a:rPr lang="en-US" dirty="0"/>
-              <a:t>Can do their analysis on a static set of data without the need to separate it into two sets. </a:t>
-            </a:r>
-          </a:p>
-          <a:p>
-            <a:r>
-              <a:rPr lang="en-US" dirty="0"/>
-              <a:t>Examples</a:t>
-            </a:r>
-          </a:p>
-          <a:p>
-            <a:pPr lvl="2"/>
+              <a:t>Can do their analysis on a static set of data without the need to separate it into two sets </a:t>
+            </a:r>
+          </a:p>
+          <a:p>
+            <a:r>
+              <a:rPr lang="en-US" dirty="0"/>
+              <a:t>Examples:</a:t>
+            </a:r>
+          </a:p>
+          <a:p>
+            <a:pPr lvl="1"/>
             <a:r>
               <a:rPr lang="en-US" dirty="0"/>
               <a:t>Cluster Analysis</a:t>
             </a:r>
           </a:p>
           <a:p>
-            <a:pPr lvl="2"/>
+            <a:pPr lvl="1"/>
             <a:r>
               <a:rPr lang="en-US" dirty="0"/>
               <a:t>Dimension Reduction </a:t>
             </a:r>
           </a:p>
           <a:p>
-            <a:pPr lvl="2"/>
+            <a:pPr lvl="1"/>
             <a:r>
               <a:rPr lang="en-US" dirty="0"/>
               <a:t>Principal Component Analysis</a:t>
             </a:r>
           </a:p>
           <a:p>
-            <a:pPr lvl="2"/>
+            <a:pPr lvl="1"/>
             <a:r>
               <a:rPr lang="en-US" dirty="0"/>
               <a:t>Anomaly Detection</a:t>
             </a:r>
           </a:p>
           <a:p>
-            <a:pPr lvl="2"/>
+            <a:pPr lvl="1"/>
             <a:r>
               <a:rPr lang="en-US" dirty="0"/>
               <a:t>Association and Recommendation Engines</a:t>
             </a:r>
           </a:p>
           <a:p>
-            <a:pPr lvl="2"/>
+            <a:pPr lvl="1"/>
             <a:r>
               <a:rPr lang="en-US" dirty="0"/>
               <a:t>Autoencoders</a:t>
@@ -8156,13 +8209,13 @@
           <a:p>
             <a:r>
               <a:rPr lang="en-US" dirty="0"/>
-              <a:t>You don't give it a set of known values you are trying to predict, instead you give it raw data and let it identify natural groupings that help shed light on what the data may represent.</a:t>
-            </a:r>
-          </a:p>
-          <a:p>
-            <a:r>
-              <a:rPr lang="en-US" dirty="0"/>
-              <a:t>Difficult to measure how accurate it is, but it's helpful in analyzing data to build towards a supervised classification model.</a:t>
+              <a:t>You don’t give it a set of known values you are trying to predict, instead you give it raw data and let it identify natural groupings that help shed light on what the data may represent</a:t>
+            </a:r>
+          </a:p>
+          <a:p>
+            <a:r>
+              <a:rPr lang="en-US" dirty="0"/>
+              <a:t>Difficult to measure how accurate it is, but it’s helpful in analyzing data to build towards a supervised classification model</a:t>
             </a:r>
           </a:p>
           <a:p>
@@ -8235,12 +8288,7 @@
             <p:ph idx="1"/>
           </p:nvPr>
         </p:nvSpPr>
-        <p:spPr>
-          <a:xfrm>
-            <a:off x="635454" y="917557"/>
-            <a:ext cx="8020050" cy="5072616"/>
-          </a:xfrm>
-        </p:spPr>
+        <p:spPr/>
         <p:txBody>
           <a:bodyPr/>
           <a:lstStyle/>
@@ -8253,7 +8301,7 @@
           <a:p>
             <a:r>
               <a:rPr lang="en-US" dirty="0"/>
-              <a:t>Useful in cases where it's not easy to label the datasets</a:t>
+              <a:t>Useful in cases where it’s not easy to label the datasets</a:t>
             </a:r>
           </a:p>
           <a:p>
@@ -8313,7 +8361,7 @@
           <a:p>
             <a:r>
               <a:rPr lang="en-US" dirty="0"/>
-              <a:t>Semi-Supervised &amp; Reinforcement</a:t>
+              <a:t>Semi-Supervised and Reinforcement</a:t>
             </a:r>
           </a:p>
         </p:txBody>
@@ -8350,84 +8398,19 @@
       </p:grpSpPr>
       <p:sp>
         <p:nvSpPr>
-          <p:cNvPr id="14339" name="Text Placeholder 2"/>
+          <p:cNvPr id="14338" name="Title 1"/>
           <p:cNvSpPr>
             <a:spLocks noGrp="1"/>
           </p:cNvSpPr>
           <p:nvPr>
-            <p:ph type="body" sz="quarter" idx="11"/>
-          </p:nvPr>
-        </p:nvSpPr>
-        <p:spPr>
-          <a:xfrm>
-            <a:off x="3204173" y="1586192"/>
-            <a:ext cx="5742641" cy="4101913"/>
-          </a:xfrm>
-        </p:spPr>
+            <p:ph type="title"/>
+          </p:nvPr>
+        </p:nvSpPr>
+        <p:spPr/>
         <p:txBody>
           <a:bodyPr/>
           <a:lstStyle/>
           <a:p>
-            <a:pPr eaLnBrk="1" hangingPunct="1">
-              <a:spcAft>
-                <a:spcPts val="1800"/>
-              </a:spcAft>
-            </a:pPr>
-            <a:r>
-              <a:rPr lang="en-US" altLang="en-US" b="0" dirty="0"/>
-              <a:t>What is Machine Learning</a:t>
-            </a:r>
-          </a:p>
-          <a:p>
-            <a:pPr eaLnBrk="1" hangingPunct="1">
-              <a:spcAft>
-                <a:spcPts val="1800"/>
-              </a:spcAft>
-            </a:pPr>
-            <a:r>
-              <a:rPr lang="en-US" altLang="en-US" dirty="0"/>
-              <a:t>Python Primer</a:t>
-            </a:r>
-          </a:p>
-          <a:p>
-            <a:pPr eaLnBrk="1" hangingPunct="1">
-              <a:spcAft>
-                <a:spcPts val="1800"/>
-              </a:spcAft>
-            </a:pPr>
-            <a:r>
-              <a:rPr lang="en-US" altLang="en-US" b="0" dirty="0"/>
-              <a:t>The Common Toolsets</a:t>
-            </a:r>
-          </a:p>
-          <a:p>
-            <a:pPr lvl="1" eaLnBrk="1" hangingPunct="1">
-              <a:spcAft>
-                <a:spcPts val="1800"/>
-              </a:spcAft>
-            </a:pPr>
-            <a:r>
-              <a:rPr lang="en-US" altLang="en-US" dirty="0"/>
-              <a:t>Chapter Summary</a:t>
-            </a:r>
-          </a:p>
-        </p:txBody>
-      </p:sp>
-      <p:sp>
-        <p:nvSpPr>
-          <p:cNvPr id="14338" name="Title 1"/>
-          <p:cNvSpPr>
-            <a:spLocks noGrp="1"/>
-          </p:cNvSpPr>
-          <p:nvPr>
-            <p:ph type="title"/>
-          </p:nvPr>
-        </p:nvSpPr>
-        <p:spPr/>
-        <p:txBody>
-          <a:bodyPr/>
-          <a:lstStyle/>
-          <a:p>
             <a:pPr eaLnBrk="1" hangingPunct="1"/>
             <a:r>
               <a:rPr lang="en-US" altLang="en-US" dirty="0"/>
@@ -8436,373 +8419,259 @@
           </a:p>
         </p:txBody>
       </p:sp>
-      <p:grpSp>
-        <p:nvGrpSpPr>
-          <p:cNvPr id="13" name="Group 12"/>
-          <p:cNvGrpSpPr/>
-          <p:nvPr/>
-        </p:nvGrpSpPr>
-        <p:grpSpPr>
-          <a:xfrm>
-            <a:off x="2793851" y="2432095"/>
-            <a:ext cx="410322" cy="377482"/>
-            <a:chOff x="1766887" y="1515010"/>
-            <a:chExt cx="741316" cy="700622"/>
-          </a:xfrm>
-          <a:solidFill>
-            <a:schemeClr val="accent4"/>
-          </a:solidFill>
-          <a:scene3d>
-            <a:camera prst="orthographicFront">
-              <a:rot lat="0" lon="0" rev="0"/>
-            </a:camera>
-            <a:lightRig rig="balanced" dir="t">
-              <a:rot lat="0" lon="0" rev="8700000"/>
-            </a:lightRig>
-          </a:scene3d>
-        </p:grpSpPr>
-        <p:sp>
-          <p:nvSpPr>
-            <p:cNvPr id="16" name="AutoShape 10"/>
-            <p:cNvSpPr>
-              <a:spLocks noChangeArrowheads="1"/>
-            </p:cNvSpPr>
-            <p:nvPr/>
-          </p:nvSpPr>
-          <p:spPr bwMode="black">
-            <a:xfrm rot="5400000">
-              <a:off x="1787234" y="1494663"/>
-              <a:ext cx="700622" cy="741316"/>
-            </a:xfrm>
-            <a:custGeom>
-              <a:avLst/>
-              <a:gdLst>
-                <a:gd name="connsiteX0" fmla="*/ 0 w 264955"/>
-                <a:gd name="connsiteY0" fmla="*/ 311498 h 311498"/>
-                <a:gd name="connsiteX1" fmla="*/ 132478 w 264955"/>
-                <a:gd name="connsiteY1" fmla="*/ 0 h 311498"/>
-                <a:gd name="connsiteX2" fmla="*/ 264955 w 264955"/>
-                <a:gd name="connsiteY2" fmla="*/ 311498 h 311498"/>
-                <a:gd name="connsiteX3" fmla="*/ 0 w 264955"/>
-                <a:gd name="connsiteY3" fmla="*/ 311498 h 311498"/>
-                <a:gd name="connsiteX0" fmla="*/ 0 w 264955"/>
-                <a:gd name="connsiteY0" fmla="*/ 311498 h 312908"/>
-                <a:gd name="connsiteX1" fmla="*/ 132478 w 264955"/>
-                <a:gd name="connsiteY1" fmla="*/ 0 h 312908"/>
-                <a:gd name="connsiteX2" fmla="*/ 264955 w 264955"/>
-                <a:gd name="connsiteY2" fmla="*/ 311498 h 312908"/>
-                <a:gd name="connsiteX3" fmla="*/ 124553 w 264955"/>
-                <a:gd name="connsiteY3" fmla="*/ 312908 h 312908"/>
-                <a:gd name="connsiteX4" fmla="*/ 0 w 264955"/>
-                <a:gd name="connsiteY4" fmla="*/ 311498 h 312908"/>
-                <a:gd name="connsiteX0" fmla="*/ 0 w 264955"/>
-                <a:gd name="connsiteY0" fmla="*/ 311498 h 311498"/>
-                <a:gd name="connsiteX1" fmla="*/ 132478 w 264955"/>
-                <a:gd name="connsiteY1" fmla="*/ 0 h 311498"/>
-                <a:gd name="connsiteX2" fmla="*/ 264955 w 264955"/>
-                <a:gd name="connsiteY2" fmla="*/ 311498 h 311498"/>
-                <a:gd name="connsiteX3" fmla="*/ 138844 w 264955"/>
-                <a:gd name="connsiteY3" fmla="*/ 253377 h 311498"/>
-                <a:gd name="connsiteX4" fmla="*/ 0 w 264955"/>
-                <a:gd name="connsiteY4" fmla="*/ 311498 h 311498"/>
-              </a:gdLst>
-              <a:ahLst/>
-              <a:cxnLst>
-                <a:cxn ang="0">
-                  <a:pos x="connsiteX0" y="connsiteY0"/>
-                </a:cxn>
-                <a:cxn ang="0">
-                  <a:pos x="connsiteX1" y="connsiteY1"/>
-                </a:cxn>
-                <a:cxn ang="0">
-                  <a:pos x="connsiteX2" y="connsiteY2"/>
-                </a:cxn>
-                <a:cxn ang="0">
-                  <a:pos x="connsiteX3" y="connsiteY3"/>
-                </a:cxn>
-                <a:cxn ang="0">
-                  <a:pos x="connsiteX4" y="connsiteY4"/>
-                </a:cxn>
-              </a:cxnLst>
-              <a:rect l="l" t="t" r="r" b="b"/>
-              <a:pathLst>
-                <a:path w="264955" h="311498">
-                  <a:moveTo>
-                    <a:pt x="0" y="311498"/>
-                  </a:moveTo>
-                  <a:lnTo>
-                    <a:pt x="132478" y="0"/>
-                  </a:lnTo>
-                  <a:lnTo>
-                    <a:pt x="264955" y="311498"/>
-                  </a:lnTo>
-                  <a:lnTo>
-                    <a:pt x="138844" y="253377"/>
-                  </a:lnTo>
-                  <a:lnTo>
-                    <a:pt x="0" y="311498"/>
-                  </a:lnTo>
-                  <a:close/>
-                </a:path>
-              </a:pathLst>
-            </a:custGeom>
-            <a:grpFill/>
-            <a:ln w="19050">
-              <a:noFill/>
-              <a:miter lim="800000"/>
-              <a:headEnd/>
-              <a:tailEnd/>
-            </a:ln>
-            <a:effectLst>
-              <a:outerShdw blurRad="44450" dist="27940" dir="5400000" algn="ctr">
-                <a:srgbClr val="000000">
-                  <a:alpha val="32000"/>
-                </a:srgbClr>
-              </a:outerShdw>
-            </a:effectLst>
-            <a:sp3d>
-              <a:bevelT w="190500" h="38100"/>
-            </a:sp3d>
-          </p:spPr>
-          <p:txBody>
-            <a:bodyPr rot="10800000" vert="eaVert" wrap="none" anchor="ctr"/>
-            <a:lstStyle/>
-            <a:p>
-              <a:pPr>
-                <a:defRPr/>
-              </a:pPr>
-              <a:endParaRPr lang="en-GB" dirty="0">
-                <a:solidFill>
-                  <a:schemeClr val="accent6"/>
-                </a:solidFill>
-                <a:ea typeface="+mn-ea"/>
-              </a:endParaRPr>
-            </a:p>
-          </p:txBody>
-        </p:sp>
-        <p:sp>
-          <p:nvSpPr>
-            <p:cNvPr id="17" name="Freeform 11"/>
-            <p:cNvSpPr>
-              <a:spLocks/>
-            </p:cNvSpPr>
-            <p:nvPr/>
-          </p:nvSpPr>
-          <p:spPr bwMode="hidden">
-            <a:xfrm>
-              <a:off x="1802606" y="1545430"/>
-              <a:ext cx="701117" cy="344477"/>
-            </a:xfrm>
-            <a:custGeom>
-              <a:avLst/>
-              <a:gdLst>
-                <a:gd name="T0" fmla="*/ 0 w 245"/>
-                <a:gd name="T1" fmla="*/ 0 h 158"/>
-                <a:gd name="T2" fmla="*/ 245 w 245"/>
-                <a:gd name="T3" fmla="*/ 146 h 158"/>
-                <a:gd name="T4" fmla="*/ 226 w 245"/>
-                <a:gd name="T5" fmla="*/ 158 h 158"/>
-                <a:gd name="T6" fmla="*/ 0 w 245"/>
-                <a:gd name="T7" fmla="*/ 23 h 158"/>
-                <a:gd name="T8" fmla="*/ 0 w 245"/>
-                <a:gd name="T9" fmla="*/ 0 h 158"/>
-                <a:gd name="T10" fmla="*/ 0 60000 65536"/>
-                <a:gd name="T11" fmla="*/ 0 60000 65536"/>
-                <a:gd name="T12" fmla="*/ 0 60000 65536"/>
-                <a:gd name="T13" fmla="*/ 0 60000 65536"/>
-                <a:gd name="T14" fmla="*/ 0 60000 65536"/>
-                <a:gd name="T15" fmla="*/ 0 w 245"/>
-                <a:gd name="T16" fmla="*/ 0 h 158"/>
-                <a:gd name="T17" fmla="*/ 245 w 245"/>
-                <a:gd name="T18" fmla="*/ 158 h 158"/>
-              </a:gdLst>
-              <a:ahLst/>
-              <a:cxnLst>
-                <a:cxn ang="T10">
-                  <a:pos x="T0" y="T1"/>
-                </a:cxn>
-                <a:cxn ang="T11">
-                  <a:pos x="T2" y="T3"/>
-                </a:cxn>
-                <a:cxn ang="T12">
-                  <a:pos x="T4" y="T5"/>
-                </a:cxn>
-                <a:cxn ang="T13">
-                  <a:pos x="T6" y="T7"/>
-                </a:cxn>
-                <a:cxn ang="T14">
-                  <a:pos x="T8" y="T9"/>
-                </a:cxn>
-              </a:cxnLst>
-              <a:rect l="T15" t="T16" r="T17" b="T18"/>
-              <a:pathLst>
-                <a:path w="245" h="158">
-                  <a:moveTo>
-                    <a:pt x="0" y="0"/>
-                  </a:moveTo>
-                  <a:lnTo>
-                    <a:pt x="245" y="146"/>
-                  </a:lnTo>
-                  <a:lnTo>
-                    <a:pt x="226" y="158"/>
-                  </a:lnTo>
-                  <a:lnTo>
-                    <a:pt x="0" y="23"/>
-                  </a:lnTo>
-                  <a:lnTo>
-                    <a:pt x="0" y="0"/>
-                  </a:lnTo>
-                  <a:close/>
-                </a:path>
-              </a:pathLst>
-            </a:custGeom>
-            <a:grpFill/>
-            <a:ln w="28575" cap="flat" cmpd="sng">
-              <a:noFill/>
-              <a:prstDash val="solid"/>
-              <a:round/>
-              <a:headEnd type="none" w="med" len="med"/>
-              <a:tailEnd type="none" w="med" len="med"/>
-            </a:ln>
-            <a:effectLst>
-              <a:outerShdw blurRad="44450" dist="27940" dir="5400000" algn="ctr">
-                <a:srgbClr val="000000">
-                  <a:alpha val="32000"/>
-                </a:srgbClr>
-              </a:outerShdw>
-            </a:effectLst>
-            <a:sp3d>
-              <a:bevelT w="190500" h="38100"/>
-            </a:sp3d>
-          </p:spPr>
-          <p:txBody>
-            <a:bodyPr/>
-            <a:lstStyle/>
-            <a:p>
-              <a:pPr>
-                <a:defRPr/>
-              </a:pPr>
-              <a:endParaRPr lang="en-US" dirty="0">
-                <a:solidFill>
-                  <a:schemeClr val="accent6"/>
-                </a:solidFill>
-                <a:ea typeface="+mn-ea"/>
-              </a:endParaRPr>
-            </a:p>
-          </p:txBody>
-        </p:sp>
-        <p:sp>
-          <p:nvSpPr>
-            <p:cNvPr id="18" name="Freeform 12"/>
-            <p:cNvSpPr>
-              <a:spLocks/>
-            </p:cNvSpPr>
-            <p:nvPr/>
-          </p:nvSpPr>
-          <p:spPr bwMode="hidden">
-            <a:xfrm>
-              <a:off x="1797843" y="1840589"/>
-              <a:ext cx="710079" cy="357304"/>
-            </a:xfrm>
-            <a:custGeom>
-              <a:avLst/>
-              <a:gdLst>
-                <a:gd name="T0" fmla="*/ 248 w 248"/>
-                <a:gd name="T1" fmla="*/ 12 h 156"/>
-                <a:gd name="T2" fmla="*/ 0 w 248"/>
-                <a:gd name="T3" fmla="*/ 156 h 156"/>
-                <a:gd name="T4" fmla="*/ 3 w 248"/>
-                <a:gd name="T5" fmla="*/ 131 h 156"/>
-                <a:gd name="T6" fmla="*/ 229 w 248"/>
-                <a:gd name="T7" fmla="*/ 0 h 156"/>
-                <a:gd name="T8" fmla="*/ 248 w 248"/>
-                <a:gd name="T9" fmla="*/ 12 h 156"/>
-                <a:gd name="T10" fmla="*/ 0 60000 65536"/>
-                <a:gd name="T11" fmla="*/ 0 60000 65536"/>
-                <a:gd name="T12" fmla="*/ 0 60000 65536"/>
-                <a:gd name="T13" fmla="*/ 0 60000 65536"/>
-                <a:gd name="T14" fmla="*/ 0 60000 65536"/>
-                <a:gd name="T15" fmla="*/ 0 w 248"/>
-                <a:gd name="T16" fmla="*/ 0 h 156"/>
-                <a:gd name="T17" fmla="*/ 248 w 248"/>
-                <a:gd name="T18" fmla="*/ 156 h 156"/>
-              </a:gdLst>
-              <a:ahLst/>
-              <a:cxnLst>
-                <a:cxn ang="T10">
-                  <a:pos x="T0" y="T1"/>
-                </a:cxn>
-                <a:cxn ang="T11">
-                  <a:pos x="T2" y="T3"/>
-                </a:cxn>
-                <a:cxn ang="T12">
-                  <a:pos x="T4" y="T5"/>
-                </a:cxn>
-                <a:cxn ang="T13">
-                  <a:pos x="T6" y="T7"/>
-                </a:cxn>
-                <a:cxn ang="T14">
-                  <a:pos x="T8" y="T9"/>
-                </a:cxn>
-              </a:cxnLst>
-              <a:rect l="T15" t="T16" r="T17" b="T18"/>
-              <a:pathLst>
-                <a:path w="248" h="156">
-                  <a:moveTo>
-                    <a:pt x="248" y="12"/>
-                  </a:moveTo>
-                  <a:lnTo>
-                    <a:pt x="0" y="156"/>
-                  </a:lnTo>
-                  <a:lnTo>
-                    <a:pt x="3" y="131"/>
-                  </a:lnTo>
-                  <a:lnTo>
-                    <a:pt x="229" y="0"/>
-                  </a:lnTo>
-                  <a:lnTo>
-                    <a:pt x="248" y="12"/>
-                  </a:lnTo>
-                  <a:close/>
-                </a:path>
-              </a:pathLst>
-            </a:custGeom>
-            <a:grpFill/>
-            <a:ln w="28575" cap="flat" cmpd="sng">
-              <a:noFill/>
-              <a:prstDash val="solid"/>
-              <a:round/>
-              <a:headEnd type="none" w="med" len="med"/>
-              <a:tailEnd type="none" w="med" len="med"/>
-            </a:ln>
-            <a:effectLst>
-              <a:outerShdw blurRad="44450" dist="27940" dir="5400000" algn="ctr">
-                <a:srgbClr val="000000">
-                  <a:alpha val="32000"/>
-                </a:srgbClr>
-              </a:outerShdw>
-            </a:effectLst>
-            <a:sp3d>
-              <a:bevelT w="190500" h="38100"/>
-            </a:sp3d>
-          </p:spPr>
-          <p:txBody>
-            <a:bodyPr/>
-            <a:lstStyle/>
-            <a:p>
-              <a:pPr>
-                <a:defRPr/>
-              </a:pPr>
-              <a:endParaRPr lang="en-US" dirty="0">
-                <a:solidFill>
-                  <a:schemeClr val="accent6"/>
-                </a:solidFill>
-                <a:ea typeface="+mn-ea"/>
-              </a:endParaRPr>
-            </a:p>
-          </p:txBody>
-        </p:sp>
-      </p:grpSp>
+      <p:graphicFrame>
+        <p:nvGraphicFramePr>
+          <p:cNvPr id="9" name="Table 8">
+            <a:extLst>
+              <a:ext uri="{FF2B5EF4-FFF2-40B4-BE49-F238E27FC236}">
+                <a16:creationId xmlns:a16="http://schemas.microsoft.com/office/drawing/2014/main" id="{51A1D4F1-F46B-4825-8682-6B417AB4090E}"/>
+              </a:ext>
+            </a:extLst>
+          </p:cNvPr>
+          <p:cNvGraphicFramePr>
+            <a:graphicFrameLocks noGrp="1"/>
+          </p:cNvGraphicFramePr>
+          <p:nvPr>
+            <p:extLst>
+              <p:ext uri="{D42A27DB-BD31-4B8C-83A1-F6EECF244321}">
+                <p14:modId xmlns:p14="http://schemas.microsoft.com/office/powerpoint/2010/main" val="2551568005"/>
+              </p:ext>
+            </p:extLst>
+          </p:nvPr>
+        </p:nvGraphicFramePr>
+        <p:xfrm>
+          <a:off x="2880360" y="1447543"/>
+          <a:ext cx="3739896" cy="2194560"/>
+        </p:xfrm>
+        <a:graphic>
+          <a:graphicData uri="http://schemas.openxmlformats.org/drawingml/2006/table">
+            <a:tbl>
+              <a:tblPr>
+                <a:tableStyleId>{00A15C55-8517-42AA-B614-E9B94910E393}</a:tableStyleId>
+              </a:tblPr>
+              <a:tblGrid>
+                <a:gridCol w="3739896">
+                  <a:extLst>
+                    <a:ext uri="{9D8B030D-6E8A-4147-A177-3AD203B41FA5}">
+                      <a16:colId xmlns:a16="http://schemas.microsoft.com/office/drawing/2014/main" val="1695728431"/>
+                    </a:ext>
+                  </a:extLst>
+                </a:gridCol>
+              </a:tblGrid>
+              <a:tr h="548640">
+                <a:tc>
+                  <a:txBody>
+                    <a:bodyPr/>
+                    <a:lstStyle/>
+                    <a:p>
+                      <a:pPr eaLnBrk="1" hangingPunct="1">
+                        <a:spcAft>
+                          <a:spcPts val="1800"/>
+                        </a:spcAft>
+                      </a:pPr>
+                      <a:r>
+                        <a:rPr lang="en-US" altLang="en-US" sz="2000" b="0" dirty="0">
+                          <a:solidFill>
+                            <a:schemeClr val="bg1">
+                              <a:lumMod val="65000"/>
+                            </a:schemeClr>
+                          </a:solidFill>
+                        </a:rPr>
+                        <a:t>What Is Machine Learning?</a:t>
+                      </a:r>
+                    </a:p>
+                  </a:txBody>
+                  <a:tcPr anchor="ctr">
+                    <a:lnB w="12700" cap="flat" cmpd="sng" algn="ctr">
+                      <a:solidFill>
+                        <a:schemeClr val="bg1">
+                          <a:lumMod val="65000"/>
+                        </a:schemeClr>
+                      </a:solidFill>
+                      <a:prstDash val="solid"/>
+                      <a:round/>
+                      <a:headEnd type="none" w="med" len="med"/>
+                      <a:tailEnd type="none" w="med" len="med"/>
+                    </a:lnB>
+                    <a:noFill/>
+                  </a:tcPr>
+                </a:tc>
+                <a:extLst>
+                  <a:ext uri="{0D108BD9-81ED-4DB2-BD59-A6C34878D82A}">
+                    <a16:rowId xmlns:a16="http://schemas.microsoft.com/office/drawing/2014/main" val="2307098774"/>
+                  </a:ext>
+                </a:extLst>
+              </a:tr>
+              <a:tr h="548640">
+                <a:tc>
+                  <a:txBody>
+                    <a:bodyPr/>
+                    <a:lstStyle/>
+                    <a:p>
+                      <a:pPr eaLnBrk="1" hangingPunct="1">
+                        <a:spcAft>
+                          <a:spcPts val="1800"/>
+                        </a:spcAft>
+                      </a:pPr>
+                      <a:r>
+                        <a:rPr lang="en-US" altLang="en-US" sz="2000" b="1" dirty="0">
+                          <a:solidFill>
+                            <a:schemeClr val="tx1"/>
+                          </a:solidFill>
+                        </a:rPr>
+                        <a:t>Python Primer</a:t>
+                      </a:r>
+                    </a:p>
+                  </a:txBody>
+                  <a:tcPr anchor="ctr">
+                    <a:lnT w="12700" cap="flat" cmpd="sng" algn="ctr">
+                      <a:solidFill>
+                        <a:schemeClr val="bg1">
+                          <a:lumMod val="65000"/>
+                        </a:schemeClr>
+                      </a:solidFill>
+                      <a:prstDash val="solid"/>
+                      <a:round/>
+                      <a:headEnd type="none" w="med" len="med"/>
+                      <a:tailEnd type="none" w="med" len="med"/>
+                    </a:lnT>
+                    <a:lnB w="12700" cap="flat" cmpd="sng" algn="ctr">
+                      <a:solidFill>
+                        <a:schemeClr val="bg1">
+                          <a:lumMod val="65000"/>
+                        </a:schemeClr>
+                      </a:solidFill>
+                      <a:prstDash val="solid"/>
+                      <a:round/>
+                      <a:headEnd type="none" w="med" len="med"/>
+                      <a:tailEnd type="none" w="med" len="med"/>
+                    </a:lnB>
+                    <a:noFill/>
+                  </a:tcPr>
+                </a:tc>
+                <a:extLst>
+                  <a:ext uri="{0D108BD9-81ED-4DB2-BD59-A6C34878D82A}">
+                    <a16:rowId xmlns:a16="http://schemas.microsoft.com/office/drawing/2014/main" val="1466711860"/>
+                  </a:ext>
+                </a:extLst>
+              </a:tr>
+              <a:tr h="548640">
+                <a:tc>
+                  <a:txBody>
+                    <a:bodyPr/>
+                    <a:lstStyle/>
+                    <a:p>
+                      <a:pPr eaLnBrk="1" hangingPunct="1">
+                        <a:spcAft>
+                          <a:spcPts val="1800"/>
+                        </a:spcAft>
+                      </a:pPr>
+                      <a:r>
+                        <a:rPr lang="en-US" altLang="en-US" sz="2000" b="0" dirty="0">
+                          <a:solidFill>
+                            <a:schemeClr val="bg1">
+                              <a:lumMod val="65000"/>
+                            </a:schemeClr>
+                          </a:solidFill>
+                        </a:rPr>
+                        <a:t>The Common Toolsets</a:t>
+                      </a:r>
+                    </a:p>
+                  </a:txBody>
+                  <a:tcPr anchor="ctr">
+                    <a:lnT w="12700" cap="flat" cmpd="sng" algn="ctr">
+                      <a:solidFill>
+                        <a:schemeClr val="bg1">
+                          <a:lumMod val="65000"/>
+                        </a:schemeClr>
+                      </a:solidFill>
+                      <a:prstDash val="solid"/>
+                      <a:round/>
+                      <a:headEnd type="none" w="med" len="med"/>
+                      <a:tailEnd type="none" w="med" len="med"/>
+                    </a:lnT>
+                    <a:lnB w="12700" cap="flat" cmpd="sng" algn="ctr">
+                      <a:solidFill>
+                        <a:schemeClr val="bg1">
+                          <a:lumMod val="65000"/>
+                        </a:schemeClr>
+                      </a:solidFill>
+                      <a:prstDash val="solid"/>
+                      <a:round/>
+                      <a:headEnd type="none" w="med" len="med"/>
+                      <a:tailEnd type="none" w="med" len="med"/>
+                    </a:lnB>
+                    <a:noFill/>
+                  </a:tcPr>
+                </a:tc>
+                <a:extLst>
+                  <a:ext uri="{0D108BD9-81ED-4DB2-BD59-A6C34878D82A}">
+                    <a16:rowId xmlns:a16="http://schemas.microsoft.com/office/drawing/2014/main" val="1924402624"/>
+                  </a:ext>
+                </a:extLst>
+              </a:tr>
+              <a:tr h="548640">
+                <a:tc>
+                  <a:txBody>
+                    <a:bodyPr/>
+                    <a:lstStyle/>
+                    <a:p>
+                      <a:pPr>
+                        <a:lnSpc>
+                          <a:spcPct val="100000"/>
+                        </a:lnSpc>
+                        <a:spcAft>
+                          <a:spcPts val="0"/>
+                        </a:spcAft>
+                      </a:pPr>
+                      <a:r>
+                        <a:rPr lang="en-US" sz="2000" dirty="0">
+                          <a:solidFill>
+                            <a:schemeClr val="bg1">
+                              <a:lumMod val="65000"/>
+                            </a:schemeClr>
+                          </a:solidFill>
+                        </a:rPr>
+                        <a:t>Chapter Summary</a:t>
+                      </a:r>
+                    </a:p>
+                  </a:txBody>
+                  <a:tcPr anchor="ctr">
+                    <a:lnT w="12700" cap="flat" cmpd="sng" algn="ctr">
+                      <a:solidFill>
+                        <a:schemeClr val="bg1">
+                          <a:lumMod val="65000"/>
+                        </a:schemeClr>
+                      </a:solidFill>
+                      <a:prstDash val="solid"/>
+                      <a:round/>
+                      <a:headEnd type="none" w="med" len="med"/>
+                      <a:tailEnd type="none" w="med" len="med"/>
+                    </a:lnT>
+                    <a:lnB w="12700" cap="flat" cmpd="sng" algn="ctr">
+                      <a:solidFill>
+                        <a:schemeClr val="bg1">
+                          <a:lumMod val="65000"/>
+                        </a:schemeClr>
+                      </a:solidFill>
+                      <a:prstDash val="solid"/>
+                      <a:round/>
+                      <a:headEnd type="none" w="med" len="med"/>
+                      <a:tailEnd type="none" w="med" len="med"/>
+                    </a:lnB>
+                    <a:noFill/>
+                  </a:tcPr>
+                </a:tc>
+                <a:extLst>
+                  <a:ext uri="{0D108BD9-81ED-4DB2-BD59-A6C34878D82A}">
+                    <a16:rowId xmlns:a16="http://schemas.microsoft.com/office/drawing/2014/main" val="376303497"/>
+                  </a:ext>
+                </a:extLst>
+              </a:tr>
+            </a:tbl>
+          </a:graphicData>
+        </a:graphic>
+      </p:graphicFrame>
     </p:spTree>
     <p:extLst>
       <p:ext uri="{BB962C8B-B14F-4D97-AF65-F5344CB8AC3E}">
@@ -8972,7 +8841,7 @@
           <a:p>
             <a:r>
               <a:rPr lang="en-US" dirty="0"/>
-              <a:t>Python is a general purpose programming language that is well suited to processing data and machine learning</a:t>
+              <a:t>Python is a general-purpose programming language that is well suited to processing data and machine learning</a:t>
             </a:r>
           </a:p>
           <a:p>
@@ -9012,7 +8881,7 @@
           <a:p>
             <a:r>
               <a:rPr lang="en-US" dirty="0"/>
-              <a:t>Python comes in version 2 and 3</a:t>
+              <a:t>Python comes in versions 2 and 3</a:t>
             </a:r>
           </a:p>
           <a:p>
@@ -9193,7 +9062,35 @@
                 <a:latin typeface="Courier New" panose="02070309020205020404" pitchFamily="49" charset="0"/>
                 <a:cs typeface="Courier New" panose="02070309020205020404" pitchFamily="49" charset="0"/>
               </a:rPr>
-              <a:t>date, time, datetime)</a:t>
+              <a:t>date</a:t>
+            </a:r>
+            <a:r>
+              <a:rPr lang="en-US" dirty="0">
+                <a:latin typeface="+mj-lt"/>
+                <a:cs typeface="Courier New" panose="02070309020205020404" pitchFamily="49" charset="0"/>
+              </a:rPr>
+              <a:t>, </a:t>
+            </a:r>
+            <a:r>
+              <a:rPr lang="en-US" dirty="0">
+                <a:latin typeface="Courier New" panose="02070309020205020404" pitchFamily="49" charset="0"/>
+                <a:cs typeface="Courier New" panose="02070309020205020404" pitchFamily="49" charset="0"/>
+              </a:rPr>
+              <a:t>time</a:t>
+            </a:r>
+            <a:r>
+              <a:rPr lang="en-US" dirty="0">
+                <a:latin typeface="+mj-lt"/>
+                <a:cs typeface="Courier New" panose="02070309020205020404" pitchFamily="49" charset="0"/>
+              </a:rPr>
+              <a:t>, </a:t>
+            </a:r>
+            <a:r>
+              <a:rPr lang="en-US" dirty="0">
+                <a:latin typeface="Courier New" panose="02070309020205020404" pitchFamily="49" charset="0"/>
+                <a:cs typeface="Courier New" panose="02070309020205020404" pitchFamily="49" charset="0"/>
+              </a:rPr>
+              <a:t>datetime)</a:t>
             </a:r>
             <a:endParaRPr lang="en-US" dirty="0"/>
           </a:p>
@@ -10279,7 +10176,7 @@
           <a:p>
             <a:r>
               <a:rPr lang="en-US" dirty="0"/>
-              <a:t>What is Machine Learning</a:t>
+              <a:t>What machine learning is</a:t>
             </a:r>
           </a:p>
           <a:p>
@@ -10459,25 +10356,7 @@
                 <a:cs typeface="Courier New" charset="0"/>
                 <a:sym typeface="Wingdings"/>
               </a:rPr>
-              <a:t> &lt;generator object &lt;</a:t>
-            </a:r>
-            <a:r>
-              <a:rPr lang="en-US" dirty="0" err="1">
-                <a:latin typeface="Courier New" charset="0"/>
-                <a:ea typeface="Courier New" charset="0"/>
-                <a:cs typeface="Courier New" charset="0"/>
-                <a:sym typeface="Wingdings"/>
-              </a:rPr>
-              <a:t>genexpr</a:t>
-            </a:r>
-            <a:r>
-              <a:rPr lang="en-US" dirty="0">
-                <a:latin typeface="Courier New" charset="0"/>
-                <a:ea typeface="Courier New" charset="0"/>
-                <a:cs typeface="Courier New" charset="0"/>
-                <a:sym typeface="Wingdings"/>
-              </a:rPr>
-              <a:t>&gt; at 0x7fdd70291480&gt;</a:t>
+              <a:t> &lt;generator object &lt;genexpr&gt; at 0x7fdd70291480&gt;</a:t>
             </a:r>
           </a:p>
           <a:p>
@@ -10554,55 +10433,7 @@
                 <a:ea typeface="Courier New" charset="0"/>
                 <a:cs typeface="Courier New" charset="0"/>
               </a:rPr>
-              <a:t>{ k: v['</a:t>
-            </a:r>
-            <a:r>
-              <a:rPr lang="en-US" dirty="0" err="1">
-                <a:latin typeface="Courier New" charset="0"/>
-                <a:ea typeface="Courier New" charset="0"/>
-                <a:cs typeface="Courier New" charset="0"/>
-              </a:rPr>
-              <a:t>firstname</a:t>
-            </a:r>
-            <a:r>
-              <a:rPr lang="en-US" dirty="0">
-                <a:latin typeface="Courier New" charset="0"/>
-                <a:ea typeface="Courier New" charset="0"/>
-                <a:cs typeface="Courier New" charset="0"/>
-              </a:rPr>
-              <a:t>'] for </a:t>
-            </a:r>
-            <a:r>
-              <a:rPr lang="en-US" dirty="0" err="1">
-                <a:latin typeface="Courier New" charset="0"/>
-                <a:ea typeface="Courier New" charset="0"/>
-                <a:cs typeface="Courier New" charset="0"/>
-              </a:rPr>
-              <a:t>k,v</a:t>
-            </a:r>
-            <a:r>
-              <a:rPr lang="en-US" dirty="0">
-                <a:latin typeface="Courier New" charset="0"/>
-                <a:ea typeface="Courier New" charset="0"/>
-                <a:cs typeface="Courier New" charset="0"/>
-              </a:rPr>
-              <a:t> in </a:t>
-            </a:r>
-            <a:r>
-              <a:rPr lang="en-US" dirty="0" err="1">
-                <a:latin typeface="Courier New" charset="0"/>
-                <a:ea typeface="Courier New" charset="0"/>
-                <a:cs typeface="Courier New" charset="0"/>
-              </a:rPr>
-              <a:t>people.items</a:t>
-            </a:r>
-            <a:r>
-              <a:rPr lang="en-US" dirty="0">
-                <a:latin typeface="Courier New" charset="0"/>
-                <a:ea typeface="Courier New" charset="0"/>
-                <a:cs typeface="Courier New" charset="0"/>
-              </a:rPr>
-              <a:t>()}</a:t>
+              <a:t>{ k: v['firstname'] for k,v in people.items()}</a:t>
             </a:r>
             <a:r>
               <a:rPr lang="en-US" dirty="0">
@@ -11345,84 +11176,19 @@
       </p:grpSpPr>
       <p:sp>
         <p:nvSpPr>
-          <p:cNvPr id="14339" name="Text Placeholder 2"/>
+          <p:cNvPr id="14338" name="Title 1"/>
           <p:cNvSpPr>
             <a:spLocks noGrp="1"/>
           </p:cNvSpPr>
           <p:nvPr>
-            <p:ph type="body" sz="quarter" idx="11"/>
-          </p:nvPr>
-        </p:nvSpPr>
-        <p:spPr>
-          <a:xfrm>
-            <a:off x="3204173" y="1586192"/>
-            <a:ext cx="5742641" cy="4101913"/>
-          </a:xfrm>
-        </p:spPr>
+            <p:ph type="title"/>
+          </p:nvPr>
+        </p:nvSpPr>
+        <p:spPr/>
         <p:txBody>
           <a:bodyPr/>
           <a:lstStyle/>
           <a:p>
-            <a:pPr eaLnBrk="1" hangingPunct="1">
-              <a:spcAft>
-                <a:spcPts val="1800"/>
-              </a:spcAft>
-            </a:pPr>
-            <a:r>
-              <a:rPr lang="en-US" altLang="en-US" b="0" dirty="0"/>
-              <a:t>What is Machine Learning</a:t>
-            </a:r>
-          </a:p>
-          <a:p>
-            <a:pPr eaLnBrk="1" hangingPunct="1">
-              <a:spcAft>
-                <a:spcPts val="1800"/>
-              </a:spcAft>
-            </a:pPr>
-            <a:r>
-              <a:rPr lang="en-US" altLang="en-US" b="0" dirty="0"/>
-              <a:t>Python Primer</a:t>
-            </a:r>
-          </a:p>
-          <a:p>
-            <a:pPr eaLnBrk="1" hangingPunct="1">
-              <a:spcAft>
-                <a:spcPts val="1800"/>
-              </a:spcAft>
-            </a:pPr>
-            <a:r>
-              <a:rPr lang="en-US" altLang="en-US" dirty="0"/>
-              <a:t>The Common Toolsets</a:t>
-            </a:r>
-          </a:p>
-          <a:p>
-            <a:pPr lvl="1" eaLnBrk="1" hangingPunct="1">
-              <a:spcAft>
-                <a:spcPts val="1800"/>
-              </a:spcAft>
-            </a:pPr>
-            <a:r>
-              <a:rPr lang="en-US" altLang="en-US" dirty="0"/>
-              <a:t>Chapter Summary</a:t>
-            </a:r>
-          </a:p>
-        </p:txBody>
-      </p:sp>
-      <p:sp>
-        <p:nvSpPr>
-          <p:cNvPr id="14338" name="Title 1"/>
-          <p:cNvSpPr>
-            <a:spLocks noGrp="1"/>
-          </p:cNvSpPr>
-          <p:nvPr>
-            <p:ph type="title"/>
-          </p:nvPr>
-        </p:nvSpPr>
-        <p:spPr/>
-        <p:txBody>
-          <a:bodyPr/>
-          <a:lstStyle/>
-          <a:p>
             <a:pPr eaLnBrk="1" hangingPunct="1"/>
             <a:r>
               <a:rPr lang="en-US" altLang="en-US" dirty="0"/>
@@ -11431,373 +11197,259 @@
           </a:p>
         </p:txBody>
       </p:sp>
-      <p:grpSp>
-        <p:nvGrpSpPr>
-          <p:cNvPr id="13" name="Group 12"/>
-          <p:cNvGrpSpPr/>
-          <p:nvPr/>
-        </p:nvGrpSpPr>
-        <p:grpSpPr>
-          <a:xfrm>
-            <a:off x="2793851" y="3252564"/>
-            <a:ext cx="410322" cy="377482"/>
-            <a:chOff x="1766887" y="1515010"/>
-            <a:chExt cx="741316" cy="700622"/>
-          </a:xfrm>
-          <a:solidFill>
-            <a:schemeClr val="accent4"/>
-          </a:solidFill>
-          <a:scene3d>
-            <a:camera prst="orthographicFront">
-              <a:rot lat="0" lon="0" rev="0"/>
-            </a:camera>
-            <a:lightRig rig="balanced" dir="t">
-              <a:rot lat="0" lon="0" rev="8700000"/>
-            </a:lightRig>
-          </a:scene3d>
-        </p:grpSpPr>
-        <p:sp>
-          <p:nvSpPr>
-            <p:cNvPr id="16" name="AutoShape 10"/>
-            <p:cNvSpPr>
-              <a:spLocks noChangeArrowheads="1"/>
-            </p:cNvSpPr>
-            <p:nvPr/>
-          </p:nvSpPr>
-          <p:spPr bwMode="black">
-            <a:xfrm rot="5400000">
-              <a:off x="1787234" y="1494663"/>
-              <a:ext cx="700622" cy="741316"/>
-            </a:xfrm>
-            <a:custGeom>
-              <a:avLst/>
-              <a:gdLst>
-                <a:gd name="connsiteX0" fmla="*/ 0 w 264955"/>
-                <a:gd name="connsiteY0" fmla="*/ 311498 h 311498"/>
-                <a:gd name="connsiteX1" fmla="*/ 132478 w 264955"/>
-                <a:gd name="connsiteY1" fmla="*/ 0 h 311498"/>
-                <a:gd name="connsiteX2" fmla="*/ 264955 w 264955"/>
-                <a:gd name="connsiteY2" fmla="*/ 311498 h 311498"/>
-                <a:gd name="connsiteX3" fmla="*/ 0 w 264955"/>
-                <a:gd name="connsiteY3" fmla="*/ 311498 h 311498"/>
-                <a:gd name="connsiteX0" fmla="*/ 0 w 264955"/>
-                <a:gd name="connsiteY0" fmla="*/ 311498 h 312908"/>
-                <a:gd name="connsiteX1" fmla="*/ 132478 w 264955"/>
-                <a:gd name="connsiteY1" fmla="*/ 0 h 312908"/>
-                <a:gd name="connsiteX2" fmla="*/ 264955 w 264955"/>
-                <a:gd name="connsiteY2" fmla="*/ 311498 h 312908"/>
-                <a:gd name="connsiteX3" fmla="*/ 124553 w 264955"/>
-                <a:gd name="connsiteY3" fmla="*/ 312908 h 312908"/>
-                <a:gd name="connsiteX4" fmla="*/ 0 w 264955"/>
-                <a:gd name="connsiteY4" fmla="*/ 311498 h 312908"/>
-                <a:gd name="connsiteX0" fmla="*/ 0 w 264955"/>
-                <a:gd name="connsiteY0" fmla="*/ 311498 h 311498"/>
-                <a:gd name="connsiteX1" fmla="*/ 132478 w 264955"/>
-                <a:gd name="connsiteY1" fmla="*/ 0 h 311498"/>
-                <a:gd name="connsiteX2" fmla="*/ 264955 w 264955"/>
-                <a:gd name="connsiteY2" fmla="*/ 311498 h 311498"/>
-                <a:gd name="connsiteX3" fmla="*/ 138844 w 264955"/>
-                <a:gd name="connsiteY3" fmla="*/ 253377 h 311498"/>
-                <a:gd name="connsiteX4" fmla="*/ 0 w 264955"/>
-                <a:gd name="connsiteY4" fmla="*/ 311498 h 311498"/>
-              </a:gdLst>
-              <a:ahLst/>
-              <a:cxnLst>
-                <a:cxn ang="0">
-                  <a:pos x="connsiteX0" y="connsiteY0"/>
-                </a:cxn>
-                <a:cxn ang="0">
-                  <a:pos x="connsiteX1" y="connsiteY1"/>
-                </a:cxn>
-                <a:cxn ang="0">
-                  <a:pos x="connsiteX2" y="connsiteY2"/>
-                </a:cxn>
-                <a:cxn ang="0">
-                  <a:pos x="connsiteX3" y="connsiteY3"/>
-                </a:cxn>
-                <a:cxn ang="0">
-                  <a:pos x="connsiteX4" y="connsiteY4"/>
-                </a:cxn>
-              </a:cxnLst>
-              <a:rect l="l" t="t" r="r" b="b"/>
-              <a:pathLst>
-                <a:path w="264955" h="311498">
-                  <a:moveTo>
-                    <a:pt x="0" y="311498"/>
-                  </a:moveTo>
-                  <a:lnTo>
-                    <a:pt x="132478" y="0"/>
-                  </a:lnTo>
-                  <a:lnTo>
-                    <a:pt x="264955" y="311498"/>
-                  </a:lnTo>
-                  <a:lnTo>
-                    <a:pt x="138844" y="253377"/>
-                  </a:lnTo>
-                  <a:lnTo>
-                    <a:pt x="0" y="311498"/>
-                  </a:lnTo>
-                  <a:close/>
-                </a:path>
-              </a:pathLst>
-            </a:custGeom>
-            <a:grpFill/>
-            <a:ln w="19050">
-              <a:noFill/>
-              <a:miter lim="800000"/>
-              <a:headEnd/>
-              <a:tailEnd/>
-            </a:ln>
-            <a:effectLst>
-              <a:outerShdw blurRad="44450" dist="27940" dir="5400000" algn="ctr">
-                <a:srgbClr val="000000">
-                  <a:alpha val="32000"/>
-                </a:srgbClr>
-              </a:outerShdw>
-            </a:effectLst>
-            <a:sp3d>
-              <a:bevelT w="190500" h="38100"/>
-            </a:sp3d>
-          </p:spPr>
-          <p:txBody>
-            <a:bodyPr rot="10800000" vert="eaVert" wrap="none" anchor="ctr"/>
-            <a:lstStyle/>
-            <a:p>
-              <a:pPr>
-                <a:defRPr/>
-              </a:pPr>
-              <a:endParaRPr lang="en-GB" dirty="0">
-                <a:solidFill>
-                  <a:schemeClr val="accent6"/>
-                </a:solidFill>
-                <a:ea typeface="+mn-ea"/>
-              </a:endParaRPr>
-            </a:p>
-          </p:txBody>
-        </p:sp>
-        <p:sp>
-          <p:nvSpPr>
-            <p:cNvPr id="17" name="Freeform 11"/>
-            <p:cNvSpPr>
-              <a:spLocks/>
-            </p:cNvSpPr>
-            <p:nvPr/>
-          </p:nvSpPr>
-          <p:spPr bwMode="hidden">
-            <a:xfrm>
-              <a:off x="1802606" y="1545430"/>
-              <a:ext cx="701117" cy="344477"/>
-            </a:xfrm>
-            <a:custGeom>
-              <a:avLst/>
-              <a:gdLst>
-                <a:gd name="T0" fmla="*/ 0 w 245"/>
-                <a:gd name="T1" fmla="*/ 0 h 158"/>
-                <a:gd name="T2" fmla="*/ 245 w 245"/>
-                <a:gd name="T3" fmla="*/ 146 h 158"/>
-                <a:gd name="T4" fmla="*/ 226 w 245"/>
-                <a:gd name="T5" fmla="*/ 158 h 158"/>
-                <a:gd name="T6" fmla="*/ 0 w 245"/>
-                <a:gd name="T7" fmla="*/ 23 h 158"/>
-                <a:gd name="T8" fmla="*/ 0 w 245"/>
-                <a:gd name="T9" fmla="*/ 0 h 158"/>
-                <a:gd name="T10" fmla="*/ 0 60000 65536"/>
-                <a:gd name="T11" fmla="*/ 0 60000 65536"/>
-                <a:gd name="T12" fmla="*/ 0 60000 65536"/>
-                <a:gd name="T13" fmla="*/ 0 60000 65536"/>
-                <a:gd name="T14" fmla="*/ 0 60000 65536"/>
-                <a:gd name="T15" fmla="*/ 0 w 245"/>
-                <a:gd name="T16" fmla="*/ 0 h 158"/>
-                <a:gd name="T17" fmla="*/ 245 w 245"/>
-                <a:gd name="T18" fmla="*/ 158 h 158"/>
-              </a:gdLst>
-              <a:ahLst/>
-              <a:cxnLst>
-                <a:cxn ang="T10">
-                  <a:pos x="T0" y="T1"/>
-                </a:cxn>
-                <a:cxn ang="T11">
-                  <a:pos x="T2" y="T3"/>
-                </a:cxn>
-                <a:cxn ang="T12">
-                  <a:pos x="T4" y="T5"/>
-                </a:cxn>
-                <a:cxn ang="T13">
-                  <a:pos x="T6" y="T7"/>
-                </a:cxn>
-                <a:cxn ang="T14">
-                  <a:pos x="T8" y="T9"/>
-                </a:cxn>
-              </a:cxnLst>
-              <a:rect l="T15" t="T16" r="T17" b="T18"/>
-              <a:pathLst>
-                <a:path w="245" h="158">
-                  <a:moveTo>
-                    <a:pt x="0" y="0"/>
-                  </a:moveTo>
-                  <a:lnTo>
-                    <a:pt x="245" y="146"/>
-                  </a:lnTo>
-                  <a:lnTo>
-                    <a:pt x="226" y="158"/>
-                  </a:lnTo>
-                  <a:lnTo>
-                    <a:pt x="0" y="23"/>
-                  </a:lnTo>
-                  <a:lnTo>
-                    <a:pt x="0" y="0"/>
-                  </a:lnTo>
-                  <a:close/>
-                </a:path>
-              </a:pathLst>
-            </a:custGeom>
-            <a:grpFill/>
-            <a:ln w="28575" cap="flat" cmpd="sng">
-              <a:noFill/>
-              <a:prstDash val="solid"/>
-              <a:round/>
-              <a:headEnd type="none" w="med" len="med"/>
-              <a:tailEnd type="none" w="med" len="med"/>
-            </a:ln>
-            <a:effectLst>
-              <a:outerShdw blurRad="44450" dist="27940" dir="5400000" algn="ctr">
-                <a:srgbClr val="000000">
-                  <a:alpha val="32000"/>
-                </a:srgbClr>
-              </a:outerShdw>
-            </a:effectLst>
-            <a:sp3d>
-              <a:bevelT w="190500" h="38100"/>
-            </a:sp3d>
-          </p:spPr>
-          <p:txBody>
-            <a:bodyPr/>
-            <a:lstStyle/>
-            <a:p>
-              <a:pPr>
-                <a:defRPr/>
-              </a:pPr>
-              <a:endParaRPr lang="en-US" dirty="0">
-                <a:solidFill>
-                  <a:schemeClr val="accent6"/>
-                </a:solidFill>
-                <a:ea typeface="+mn-ea"/>
-              </a:endParaRPr>
-            </a:p>
-          </p:txBody>
-        </p:sp>
-        <p:sp>
-          <p:nvSpPr>
-            <p:cNvPr id="18" name="Freeform 12"/>
-            <p:cNvSpPr>
-              <a:spLocks/>
-            </p:cNvSpPr>
-            <p:nvPr/>
-          </p:nvSpPr>
-          <p:spPr bwMode="hidden">
-            <a:xfrm>
-              <a:off x="1797843" y="1840589"/>
-              <a:ext cx="710079" cy="357304"/>
-            </a:xfrm>
-            <a:custGeom>
-              <a:avLst/>
-              <a:gdLst>
-                <a:gd name="T0" fmla="*/ 248 w 248"/>
-                <a:gd name="T1" fmla="*/ 12 h 156"/>
-                <a:gd name="T2" fmla="*/ 0 w 248"/>
-                <a:gd name="T3" fmla="*/ 156 h 156"/>
-                <a:gd name="T4" fmla="*/ 3 w 248"/>
-                <a:gd name="T5" fmla="*/ 131 h 156"/>
-                <a:gd name="T6" fmla="*/ 229 w 248"/>
-                <a:gd name="T7" fmla="*/ 0 h 156"/>
-                <a:gd name="T8" fmla="*/ 248 w 248"/>
-                <a:gd name="T9" fmla="*/ 12 h 156"/>
-                <a:gd name="T10" fmla="*/ 0 60000 65536"/>
-                <a:gd name="T11" fmla="*/ 0 60000 65536"/>
-                <a:gd name="T12" fmla="*/ 0 60000 65536"/>
-                <a:gd name="T13" fmla="*/ 0 60000 65536"/>
-                <a:gd name="T14" fmla="*/ 0 60000 65536"/>
-                <a:gd name="T15" fmla="*/ 0 w 248"/>
-                <a:gd name="T16" fmla="*/ 0 h 156"/>
-                <a:gd name="T17" fmla="*/ 248 w 248"/>
-                <a:gd name="T18" fmla="*/ 156 h 156"/>
-              </a:gdLst>
-              <a:ahLst/>
-              <a:cxnLst>
-                <a:cxn ang="T10">
-                  <a:pos x="T0" y="T1"/>
-                </a:cxn>
-                <a:cxn ang="T11">
-                  <a:pos x="T2" y="T3"/>
-                </a:cxn>
-                <a:cxn ang="T12">
-                  <a:pos x="T4" y="T5"/>
-                </a:cxn>
-                <a:cxn ang="T13">
-                  <a:pos x="T6" y="T7"/>
-                </a:cxn>
-                <a:cxn ang="T14">
-                  <a:pos x="T8" y="T9"/>
-                </a:cxn>
-              </a:cxnLst>
-              <a:rect l="T15" t="T16" r="T17" b="T18"/>
-              <a:pathLst>
-                <a:path w="248" h="156">
-                  <a:moveTo>
-                    <a:pt x="248" y="12"/>
-                  </a:moveTo>
-                  <a:lnTo>
-                    <a:pt x="0" y="156"/>
-                  </a:lnTo>
-                  <a:lnTo>
-                    <a:pt x="3" y="131"/>
-                  </a:lnTo>
-                  <a:lnTo>
-                    <a:pt x="229" y="0"/>
-                  </a:lnTo>
-                  <a:lnTo>
-                    <a:pt x="248" y="12"/>
-                  </a:lnTo>
-                  <a:close/>
-                </a:path>
-              </a:pathLst>
-            </a:custGeom>
-            <a:grpFill/>
-            <a:ln w="28575" cap="flat" cmpd="sng">
-              <a:noFill/>
-              <a:prstDash val="solid"/>
-              <a:round/>
-              <a:headEnd type="none" w="med" len="med"/>
-              <a:tailEnd type="none" w="med" len="med"/>
-            </a:ln>
-            <a:effectLst>
-              <a:outerShdw blurRad="44450" dist="27940" dir="5400000" algn="ctr">
-                <a:srgbClr val="000000">
-                  <a:alpha val="32000"/>
-                </a:srgbClr>
-              </a:outerShdw>
-            </a:effectLst>
-            <a:sp3d>
-              <a:bevelT w="190500" h="38100"/>
-            </a:sp3d>
-          </p:spPr>
-          <p:txBody>
-            <a:bodyPr/>
-            <a:lstStyle/>
-            <a:p>
-              <a:pPr>
-                <a:defRPr/>
-              </a:pPr>
-              <a:endParaRPr lang="en-US" dirty="0">
-                <a:solidFill>
-                  <a:schemeClr val="accent6"/>
-                </a:solidFill>
-                <a:ea typeface="+mn-ea"/>
-              </a:endParaRPr>
-            </a:p>
-          </p:txBody>
-        </p:sp>
-      </p:grpSp>
+      <p:graphicFrame>
+        <p:nvGraphicFramePr>
+          <p:cNvPr id="9" name="Table 8">
+            <a:extLst>
+              <a:ext uri="{FF2B5EF4-FFF2-40B4-BE49-F238E27FC236}">
+                <a16:creationId xmlns:a16="http://schemas.microsoft.com/office/drawing/2014/main" id="{3FDF5E7E-7202-41CC-A059-DBEE6D6609C8}"/>
+              </a:ext>
+            </a:extLst>
+          </p:cNvPr>
+          <p:cNvGraphicFramePr>
+            <a:graphicFrameLocks noGrp="1"/>
+          </p:cNvGraphicFramePr>
+          <p:nvPr>
+            <p:extLst>
+              <p:ext uri="{D42A27DB-BD31-4B8C-83A1-F6EECF244321}">
+                <p14:modId xmlns:p14="http://schemas.microsoft.com/office/powerpoint/2010/main" val="2826372485"/>
+              </p:ext>
+            </p:extLst>
+          </p:nvPr>
+        </p:nvGraphicFramePr>
+        <p:xfrm>
+          <a:off x="2880360" y="1447543"/>
+          <a:ext cx="3739896" cy="2194560"/>
+        </p:xfrm>
+        <a:graphic>
+          <a:graphicData uri="http://schemas.openxmlformats.org/drawingml/2006/table">
+            <a:tbl>
+              <a:tblPr>
+                <a:tableStyleId>{00A15C55-8517-42AA-B614-E9B94910E393}</a:tableStyleId>
+              </a:tblPr>
+              <a:tblGrid>
+                <a:gridCol w="3739896">
+                  <a:extLst>
+                    <a:ext uri="{9D8B030D-6E8A-4147-A177-3AD203B41FA5}">
+                      <a16:colId xmlns:a16="http://schemas.microsoft.com/office/drawing/2014/main" val="1695728431"/>
+                    </a:ext>
+                  </a:extLst>
+                </a:gridCol>
+              </a:tblGrid>
+              <a:tr h="548640">
+                <a:tc>
+                  <a:txBody>
+                    <a:bodyPr/>
+                    <a:lstStyle/>
+                    <a:p>
+                      <a:pPr eaLnBrk="1" hangingPunct="1">
+                        <a:spcAft>
+                          <a:spcPts val="1800"/>
+                        </a:spcAft>
+                      </a:pPr>
+                      <a:r>
+                        <a:rPr lang="en-US" altLang="en-US" sz="2000" b="0" dirty="0">
+                          <a:solidFill>
+                            <a:schemeClr val="bg1">
+                              <a:lumMod val="65000"/>
+                            </a:schemeClr>
+                          </a:solidFill>
+                        </a:rPr>
+                        <a:t>What Is Machine Learning?</a:t>
+                      </a:r>
+                    </a:p>
+                  </a:txBody>
+                  <a:tcPr anchor="ctr">
+                    <a:lnB w="12700" cap="flat" cmpd="sng" algn="ctr">
+                      <a:solidFill>
+                        <a:schemeClr val="bg1">
+                          <a:lumMod val="65000"/>
+                        </a:schemeClr>
+                      </a:solidFill>
+                      <a:prstDash val="solid"/>
+                      <a:round/>
+                      <a:headEnd type="none" w="med" len="med"/>
+                      <a:tailEnd type="none" w="med" len="med"/>
+                    </a:lnB>
+                    <a:noFill/>
+                  </a:tcPr>
+                </a:tc>
+                <a:extLst>
+                  <a:ext uri="{0D108BD9-81ED-4DB2-BD59-A6C34878D82A}">
+                    <a16:rowId xmlns:a16="http://schemas.microsoft.com/office/drawing/2014/main" val="2307098774"/>
+                  </a:ext>
+                </a:extLst>
+              </a:tr>
+              <a:tr h="548640">
+                <a:tc>
+                  <a:txBody>
+                    <a:bodyPr/>
+                    <a:lstStyle/>
+                    <a:p>
+                      <a:pPr eaLnBrk="1" hangingPunct="1">
+                        <a:spcAft>
+                          <a:spcPts val="1800"/>
+                        </a:spcAft>
+                      </a:pPr>
+                      <a:r>
+                        <a:rPr lang="en-US" altLang="en-US" sz="2000" b="0" dirty="0">
+                          <a:solidFill>
+                            <a:schemeClr val="bg1">
+                              <a:lumMod val="65000"/>
+                            </a:schemeClr>
+                          </a:solidFill>
+                        </a:rPr>
+                        <a:t>Python Primer</a:t>
+                      </a:r>
+                    </a:p>
+                  </a:txBody>
+                  <a:tcPr anchor="ctr">
+                    <a:lnT w="12700" cap="flat" cmpd="sng" algn="ctr">
+                      <a:solidFill>
+                        <a:schemeClr val="bg1">
+                          <a:lumMod val="65000"/>
+                        </a:schemeClr>
+                      </a:solidFill>
+                      <a:prstDash val="solid"/>
+                      <a:round/>
+                      <a:headEnd type="none" w="med" len="med"/>
+                      <a:tailEnd type="none" w="med" len="med"/>
+                    </a:lnT>
+                    <a:lnB w="12700" cap="flat" cmpd="sng" algn="ctr">
+                      <a:solidFill>
+                        <a:schemeClr val="bg1">
+                          <a:lumMod val="65000"/>
+                        </a:schemeClr>
+                      </a:solidFill>
+                      <a:prstDash val="solid"/>
+                      <a:round/>
+                      <a:headEnd type="none" w="med" len="med"/>
+                      <a:tailEnd type="none" w="med" len="med"/>
+                    </a:lnB>
+                    <a:noFill/>
+                  </a:tcPr>
+                </a:tc>
+                <a:extLst>
+                  <a:ext uri="{0D108BD9-81ED-4DB2-BD59-A6C34878D82A}">
+                    <a16:rowId xmlns:a16="http://schemas.microsoft.com/office/drawing/2014/main" val="1466711860"/>
+                  </a:ext>
+                </a:extLst>
+              </a:tr>
+              <a:tr h="548640">
+                <a:tc>
+                  <a:txBody>
+                    <a:bodyPr/>
+                    <a:lstStyle/>
+                    <a:p>
+                      <a:pPr eaLnBrk="1" hangingPunct="1">
+                        <a:spcAft>
+                          <a:spcPts val="1800"/>
+                        </a:spcAft>
+                      </a:pPr>
+                      <a:r>
+                        <a:rPr lang="en-US" altLang="en-US" sz="2000" b="1" dirty="0">
+                          <a:solidFill>
+                            <a:schemeClr val="tx1"/>
+                          </a:solidFill>
+                        </a:rPr>
+                        <a:t>The Common Toolsets</a:t>
+                      </a:r>
+                    </a:p>
+                  </a:txBody>
+                  <a:tcPr anchor="ctr">
+                    <a:lnT w="12700" cap="flat" cmpd="sng" algn="ctr">
+                      <a:solidFill>
+                        <a:schemeClr val="bg1">
+                          <a:lumMod val="65000"/>
+                        </a:schemeClr>
+                      </a:solidFill>
+                      <a:prstDash val="solid"/>
+                      <a:round/>
+                      <a:headEnd type="none" w="med" len="med"/>
+                      <a:tailEnd type="none" w="med" len="med"/>
+                    </a:lnT>
+                    <a:lnB w="12700" cap="flat" cmpd="sng" algn="ctr">
+                      <a:solidFill>
+                        <a:schemeClr val="bg1">
+                          <a:lumMod val="65000"/>
+                        </a:schemeClr>
+                      </a:solidFill>
+                      <a:prstDash val="solid"/>
+                      <a:round/>
+                      <a:headEnd type="none" w="med" len="med"/>
+                      <a:tailEnd type="none" w="med" len="med"/>
+                    </a:lnB>
+                    <a:noFill/>
+                  </a:tcPr>
+                </a:tc>
+                <a:extLst>
+                  <a:ext uri="{0D108BD9-81ED-4DB2-BD59-A6C34878D82A}">
+                    <a16:rowId xmlns:a16="http://schemas.microsoft.com/office/drawing/2014/main" val="1924402624"/>
+                  </a:ext>
+                </a:extLst>
+              </a:tr>
+              <a:tr h="548640">
+                <a:tc>
+                  <a:txBody>
+                    <a:bodyPr/>
+                    <a:lstStyle/>
+                    <a:p>
+                      <a:pPr>
+                        <a:lnSpc>
+                          <a:spcPct val="100000"/>
+                        </a:lnSpc>
+                        <a:spcAft>
+                          <a:spcPts val="0"/>
+                        </a:spcAft>
+                      </a:pPr>
+                      <a:r>
+                        <a:rPr lang="en-US" sz="2000" dirty="0">
+                          <a:solidFill>
+                            <a:schemeClr val="bg1">
+                              <a:lumMod val="65000"/>
+                            </a:schemeClr>
+                          </a:solidFill>
+                        </a:rPr>
+                        <a:t>Chapter Summary</a:t>
+                      </a:r>
+                    </a:p>
+                  </a:txBody>
+                  <a:tcPr anchor="ctr">
+                    <a:lnT w="12700" cap="flat" cmpd="sng" algn="ctr">
+                      <a:solidFill>
+                        <a:schemeClr val="bg1">
+                          <a:lumMod val="65000"/>
+                        </a:schemeClr>
+                      </a:solidFill>
+                      <a:prstDash val="solid"/>
+                      <a:round/>
+                      <a:headEnd type="none" w="med" len="med"/>
+                      <a:tailEnd type="none" w="med" len="med"/>
+                    </a:lnT>
+                    <a:lnB w="12700" cap="flat" cmpd="sng" algn="ctr">
+                      <a:solidFill>
+                        <a:schemeClr val="bg1">
+                          <a:lumMod val="65000"/>
+                        </a:schemeClr>
+                      </a:solidFill>
+                      <a:prstDash val="solid"/>
+                      <a:round/>
+                      <a:headEnd type="none" w="med" len="med"/>
+                      <a:tailEnd type="none" w="med" len="med"/>
+                    </a:lnB>
+                    <a:noFill/>
+                  </a:tcPr>
+                </a:tc>
+                <a:extLst>
+                  <a:ext uri="{0D108BD9-81ED-4DB2-BD59-A6C34878D82A}">
+                    <a16:rowId xmlns:a16="http://schemas.microsoft.com/office/drawing/2014/main" val="376303497"/>
+                  </a:ext>
+                </a:extLst>
+              </a:tr>
+            </a:tbl>
+          </a:graphicData>
+        </a:graphic>
+      </p:graphicFrame>
     </p:spTree>
     <p:extLst>
       <p:ext uri="{BB962C8B-B14F-4D97-AF65-F5344CB8AC3E}">
@@ -11845,7 +11497,7 @@
           <a:p>
             <a:r>
               <a:rPr lang="en-US" dirty="0"/>
-              <a:t>Essential Python Libraries &amp; Tools </a:t>
+              <a:t>Essential Python Libraries and Tools </a:t>
             </a:r>
           </a:p>
         </p:txBody>
@@ -11901,12 +11553,8 @@
           <a:p>
             <a:pPr lvl="1"/>
             <a:r>
-              <a:rPr lang="en-US" dirty="0" err="1"/>
-              <a:t>Scikit</a:t>
-            </a:r>
-            <a:r>
-              <a:rPr lang="en-US" dirty="0"/>
-              <a:t>-learn</a:t>
+              <a:rPr lang="en-US" dirty="0"/>
+              <a:t>Scikit-learn</a:t>
             </a:r>
           </a:p>
           <a:p>
@@ -11919,26 +11567,21 @@
           <a:p>
             <a:r>
               <a:rPr lang="en-US" dirty="0"/>
-              <a:t>As well as various UI's</a:t>
-            </a:r>
-          </a:p>
-          <a:p>
-            <a:pPr lvl="1"/>
-            <a:r>
-              <a:rPr lang="en-US" dirty="0" err="1"/>
+              <a:t>As well as various UIs:</a:t>
+            </a:r>
+          </a:p>
+          <a:p>
+            <a:pPr lvl="1"/>
+            <a:r>
+              <a:rPr lang="en-US" dirty="0"/>
               <a:t>IPython</a:t>
             </a:r>
-            <a:endParaRPr lang="en-US" dirty="0"/>
-          </a:p>
-          <a:p>
-            <a:pPr lvl="1"/>
-            <a:r>
-              <a:rPr lang="en-US" dirty="0" err="1"/>
-              <a:t>Jupyter</a:t>
-            </a:r>
-            <a:r>
-              <a:rPr lang="en-US" dirty="0"/>
-              <a:t> Notebooks</a:t>
+          </a:p>
+          <a:p>
+            <a:pPr lvl="1"/>
+            <a:r>
+              <a:rPr lang="en-US" dirty="0"/>
+              <a:t>Jupyter Notebook</a:t>
             </a:r>
           </a:p>
           <a:p>
@@ -11958,7 +11601,7 @@
           <a:p>
             <a:r>
               <a:rPr lang="en-US" dirty="0"/>
-              <a:t>And explore other resources like</a:t>
+              <a:t>And explore other resources like:</a:t>
             </a:r>
           </a:p>
           <a:p>
@@ -12121,23 +11764,7 @@
                 <a:ea typeface="Courier New" charset="0"/>
                 <a:cs typeface="Courier New" charset="0"/>
               </a:rPr>
-              <a:t>import </a:t>
-            </a:r>
-            <a:r>
-              <a:rPr lang="en-US" dirty="0" err="1">
-                <a:latin typeface="Courier New" charset="0"/>
-                <a:ea typeface="Courier New" charset="0"/>
-                <a:cs typeface="Courier New" charset="0"/>
-              </a:rPr>
-              <a:t>numpy</a:t>
-            </a:r>
-            <a:r>
-              <a:rPr lang="en-US" dirty="0">
-                <a:latin typeface="Courier New" charset="0"/>
-                <a:ea typeface="Courier New" charset="0"/>
-                <a:cs typeface="Courier New" charset="0"/>
-              </a:rPr>
-              <a:t> as np</a:t>
+              <a:t>import numpy as np</a:t>
             </a:r>
           </a:p>
           <a:p>
@@ -12329,37 +11956,8 @@
                 <a:ea typeface="Courier New" charset="0"/>
                 <a:cs typeface="Courier New" charset="0"/>
               </a:rPr>
-              <a:t>import </a:t>
-            </a:r>
-            <a:r>
-              <a:rPr lang="en-US" dirty="0" err="1">
-                <a:latin typeface="Courier New" charset="0"/>
-                <a:ea typeface="Courier New" charset="0"/>
-                <a:cs typeface="Courier New" charset="0"/>
-              </a:rPr>
-              <a:t>scipy</a:t>
-            </a:r>
-            <a:r>
-              <a:rPr lang="en-US" dirty="0">
-                <a:latin typeface="Courier New" charset="0"/>
-                <a:ea typeface="Courier New" charset="0"/>
-                <a:cs typeface="Courier New" charset="0"/>
-              </a:rPr>
-              <a:t> as </a:t>
-            </a:r>
-            <a:r>
-              <a:rPr lang="en-US" dirty="0" err="1">
-                <a:latin typeface="Courier New" charset="0"/>
-                <a:ea typeface="Courier New" charset="0"/>
-                <a:cs typeface="Courier New" charset="0"/>
-              </a:rPr>
-              <a:t>sp</a:t>
-            </a:r>
-            <a:endParaRPr lang="en-US" dirty="0">
-              <a:latin typeface="Courier New" charset="0"/>
-              <a:ea typeface="Courier New" charset="0"/>
-              <a:cs typeface="Courier New" charset="0"/>
-            </a:endParaRPr>
+              <a:t>import scipy as sp</a:t>
+            </a:r>
           </a:p>
           <a:p>
             <a:pPr marL="0" indent="0">
@@ -12473,21 +12071,8 @@
                 <a:ea typeface="Courier New" charset="0"/>
                 <a:cs typeface="Courier New" charset="0"/>
               </a:rPr>
-              <a:t>import pandas as </a:t>
-            </a:r>
-            <a:r>
-              <a:rPr lang="en-US" dirty="0" err="1">
-                <a:latin typeface="Courier New" charset="0"/>
-                <a:ea typeface="Courier New" charset="0"/>
-                <a:cs typeface="Courier New" charset="0"/>
-              </a:rPr>
-              <a:t>pd</a:t>
-            </a:r>
-            <a:endParaRPr lang="en-US" dirty="0">
-              <a:latin typeface="Courier New" charset="0"/>
-              <a:ea typeface="Courier New" charset="0"/>
-              <a:cs typeface="Courier New" charset="0"/>
-            </a:endParaRPr>
+              <a:t>import pandas as pd</a:t>
+            </a:r>
           </a:p>
           <a:p>
             <a:pPr marL="0" indent="0">
@@ -12544,7 +12129,7 @@
           <a:p>
             <a:r>
               <a:rPr lang="en-US" dirty="0"/>
-              <a:t>Matplotlib &amp; Seaborn</a:t>
+              <a:t>Matplotlib and Seaborn</a:t>
             </a:r>
           </a:p>
         </p:txBody>
@@ -12588,21 +12173,8 @@
                 <a:ea typeface="Courier New" charset="0"/>
                 <a:cs typeface="Courier New" charset="0"/>
               </a:rPr>
-              <a:t>import matplotlib as </a:t>
-            </a:r>
-            <a:r>
-              <a:rPr lang="en-US" dirty="0" err="1">
-                <a:latin typeface="Courier New" charset="0"/>
-                <a:ea typeface="Courier New" charset="0"/>
-                <a:cs typeface="Courier New" charset="0"/>
-              </a:rPr>
-              <a:t>mp</a:t>
-            </a:r>
-            <a:endParaRPr lang="en-US" dirty="0">
-              <a:latin typeface="Courier New" charset="0"/>
-              <a:ea typeface="Courier New" charset="0"/>
-              <a:cs typeface="Courier New" charset="0"/>
-            </a:endParaRPr>
+              <a:t>import matplotlib as mp</a:t>
+            </a:r>
           </a:p>
           <a:p>
             <a:r>
@@ -12611,37 +12183,8 @@
                 <a:ea typeface="Courier New" charset="0"/>
                 <a:cs typeface="Courier New" charset="0"/>
               </a:rPr>
-              <a:t>from matplotlib import </a:t>
-            </a:r>
-            <a:r>
-              <a:rPr lang="en-US" dirty="0" err="1">
-                <a:latin typeface="Courier New" charset="0"/>
-                <a:ea typeface="Courier New" charset="0"/>
-                <a:cs typeface="Courier New" charset="0"/>
-              </a:rPr>
-              <a:t>pyplot</a:t>
-            </a:r>
-            <a:r>
-              <a:rPr lang="en-US" dirty="0">
-                <a:latin typeface="Courier New" charset="0"/>
-                <a:ea typeface="Courier New" charset="0"/>
-                <a:cs typeface="Courier New" charset="0"/>
-              </a:rPr>
-              <a:t> as </a:t>
-            </a:r>
-            <a:r>
-              <a:rPr lang="en-US" dirty="0" err="1">
-                <a:latin typeface="Courier New" charset="0"/>
-                <a:ea typeface="Courier New" charset="0"/>
-                <a:cs typeface="Courier New" charset="0"/>
-              </a:rPr>
-              <a:t>plt</a:t>
-            </a:r>
-            <a:endParaRPr lang="en-US" dirty="0">
-              <a:latin typeface="Courier New" charset="0"/>
-              <a:ea typeface="Courier New" charset="0"/>
-              <a:cs typeface="Courier New" charset="0"/>
-            </a:endParaRPr>
+              <a:t>from matplotlib import pyplot as plt</a:t>
+            </a:r>
           </a:p>
           <a:p>
             <a:r>
@@ -12659,14 +12202,7 @@
                 <a:latin typeface="Courier New" charset="0"/>
                 <a:cs typeface="Courier New" charset="0"/>
               </a:rPr>
-              <a:t>Import seaborn as </a:t>
-            </a:r>
-            <a:r>
-              <a:rPr lang="en-US">
-                <a:latin typeface="Courier New" charset="0"/>
-                <a:cs typeface="Courier New" charset="0"/>
-              </a:rPr>
-              <a:t>sns</a:t>
+              <a:t>Import seaborn as sns</a:t>
             </a:r>
             <a:endParaRPr lang="en-US" dirty="0"/>
           </a:p>
@@ -12704,84 +12240,19 @@
       </p:grpSpPr>
       <p:sp>
         <p:nvSpPr>
-          <p:cNvPr id="14339" name="Text Placeholder 2"/>
+          <p:cNvPr id="14338" name="Title 1"/>
           <p:cNvSpPr>
             <a:spLocks noGrp="1"/>
           </p:cNvSpPr>
           <p:nvPr>
-            <p:ph type="body" sz="quarter" idx="11"/>
-          </p:nvPr>
-        </p:nvSpPr>
-        <p:spPr>
-          <a:xfrm>
-            <a:off x="3204173" y="1586192"/>
-            <a:ext cx="5742641" cy="4101913"/>
-          </a:xfrm>
-        </p:spPr>
+            <p:ph type="title"/>
+          </p:nvPr>
+        </p:nvSpPr>
+        <p:spPr/>
         <p:txBody>
           <a:bodyPr/>
           <a:lstStyle/>
           <a:p>
-            <a:pPr eaLnBrk="1" hangingPunct="1">
-              <a:spcAft>
-                <a:spcPts val="1800"/>
-              </a:spcAft>
-            </a:pPr>
-            <a:r>
-              <a:rPr lang="en-US" altLang="en-US" dirty="0"/>
-              <a:t>What is Machine Learning</a:t>
-            </a:r>
-          </a:p>
-          <a:p>
-            <a:pPr eaLnBrk="1" hangingPunct="1">
-              <a:spcAft>
-                <a:spcPts val="1800"/>
-              </a:spcAft>
-            </a:pPr>
-            <a:r>
-              <a:rPr lang="en-US" altLang="en-US" b="0" dirty="0"/>
-              <a:t>Python Primer</a:t>
-            </a:r>
-          </a:p>
-          <a:p>
-            <a:pPr eaLnBrk="1" hangingPunct="1">
-              <a:spcAft>
-                <a:spcPts val="1800"/>
-              </a:spcAft>
-            </a:pPr>
-            <a:r>
-              <a:rPr lang="en-US" altLang="en-US" b="0" dirty="0"/>
-              <a:t>The Common Toolsets</a:t>
-            </a:r>
-          </a:p>
-          <a:p>
-            <a:pPr lvl="1" eaLnBrk="1" hangingPunct="1">
-              <a:spcAft>
-                <a:spcPts val="1800"/>
-              </a:spcAft>
-            </a:pPr>
-            <a:r>
-              <a:rPr lang="en-US" altLang="en-US" dirty="0"/>
-              <a:t>Chapter Summary</a:t>
-            </a:r>
-          </a:p>
-        </p:txBody>
-      </p:sp>
-      <p:sp>
-        <p:nvSpPr>
-          <p:cNvPr id="14338" name="Title 1"/>
-          <p:cNvSpPr>
-            <a:spLocks noGrp="1"/>
-          </p:cNvSpPr>
-          <p:nvPr>
-            <p:ph type="title"/>
-          </p:nvPr>
-        </p:nvSpPr>
-        <p:spPr/>
-        <p:txBody>
-          <a:bodyPr/>
-          <a:lstStyle/>
-          <a:p>
             <a:pPr eaLnBrk="1" hangingPunct="1"/>
             <a:r>
               <a:rPr lang="en-US" altLang="en-US" dirty="0"/>
@@ -12790,373 +12261,255 @@
           </a:p>
         </p:txBody>
       </p:sp>
-      <p:grpSp>
-        <p:nvGrpSpPr>
-          <p:cNvPr id="13" name="Group 12"/>
-          <p:cNvGrpSpPr/>
-          <p:nvPr/>
-        </p:nvGrpSpPr>
-        <p:grpSpPr>
-          <a:xfrm>
-            <a:off x="2793851" y="1689145"/>
-            <a:ext cx="410322" cy="377482"/>
-            <a:chOff x="1766887" y="1515010"/>
-            <a:chExt cx="741316" cy="700622"/>
-          </a:xfrm>
-          <a:solidFill>
-            <a:schemeClr val="accent4"/>
-          </a:solidFill>
-          <a:scene3d>
-            <a:camera prst="orthographicFront">
-              <a:rot lat="0" lon="0" rev="0"/>
-            </a:camera>
-            <a:lightRig rig="balanced" dir="t">
-              <a:rot lat="0" lon="0" rev="8700000"/>
-            </a:lightRig>
-          </a:scene3d>
-        </p:grpSpPr>
-        <p:sp>
-          <p:nvSpPr>
-            <p:cNvPr id="16" name="AutoShape 10"/>
-            <p:cNvSpPr>
-              <a:spLocks noChangeArrowheads="1"/>
-            </p:cNvSpPr>
-            <p:nvPr/>
-          </p:nvSpPr>
-          <p:spPr bwMode="black">
-            <a:xfrm rot="5400000">
-              <a:off x="1787234" y="1494663"/>
-              <a:ext cx="700622" cy="741316"/>
-            </a:xfrm>
-            <a:custGeom>
-              <a:avLst/>
-              <a:gdLst>
-                <a:gd name="connsiteX0" fmla="*/ 0 w 264955"/>
-                <a:gd name="connsiteY0" fmla="*/ 311498 h 311498"/>
-                <a:gd name="connsiteX1" fmla="*/ 132478 w 264955"/>
-                <a:gd name="connsiteY1" fmla="*/ 0 h 311498"/>
-                <a:gd name="connsiteX2" fmla="*/ 264955 w 264955"/>
-                <a:gd name="connsiteY2" fmla="*/ 311498 h 311498"/>
-                <a:gd name="connsiteX3" fmla="*/ 0 w 264955"/>
-                <a:gd name="connsiteY3" fmla="*/ 311498 h 311498"/>
-                <a:gd name="connsiteX0" fmla="*/ 0 w 264955"/>
-                <a:gd name="connsiteY0" fmla="*/ 311498 h 312908"/>
-                <a:gd name="connsiteX1" fmla="*/ 132478 w 264955"/>
-                <a:gd name="connsiteY1" fmla="*/ 0 h 312908"/>
-                <a:gd name="connsiteX2" fmla="*/ 264955 w 264955"/>
-                <a:gd name="connsiteY2" fmla="*/ 311498 h 312908"/>
-                <a:gd name="connsiteX3" fmla="*/ 124553 w 264955"/>
-                <a:gd name="connsiteY3" fmla="*/ 312908 h 312908"/>
-                <a:gd name="connsiteX4" fmla="*/ 0 w 264955"/>
-                <a:gd name="connsiteY4" fmla="*/ 311498 h 312908"/>
-                <a:gd name="connsiteX0" fmla="*/ 0 w 264955"/>
-                <a:gd name="connsiteY0" fmla="*/ 311498 h 311498"/>
-                <a:gd name="connsiteX1" fmla="*/ 132478 w 264955"/>
-                <a:gd name="connsiteY1" fmla="*/ 0 h 311498"/>
-                <a:gd name="connsiteX2" fmla="*/ 264955 w 264955"/>
-                <a:gd name="connsiteY2" fmla="*/ 311498 h 311498"/>
-                <a:gd name="connsiteX3" fmla="*/ 138844 w 264955"/>
-                <a:gd name="connsiteY3" fmla="*/ 253377 h 311498"/>
-                <a:gd name="connsiteX4" fmla="*/ 0 w 264955"/>
-                <a:gd name="connsiteY4" fmla="*/ 311498 h 311498"/>
-              </a:gdLst>
-              <a:ahLst/>
-              <a:cxnLst>
-                <a:cxn ang="0">
-                  <a:pos x="connsiteX0" y="connsiteY0"/>
-                </a:cxn>
-                <a:cxn ang="0">
-                  <a:pos x="connsiteX1" y="connsiteY1"/>
-                </a:cxn>
-                <a:cxn ang="0">
-                  <a:pos x="connsiteX2" y="connsiteY2"/>
-                </a:cxn>
-                <a:cxn ang="0">
-                  <a:pos x="connsiteX3" y="connsiteY3"/>
-                </a:cxn>
-                <a:cxn ang="0">
-                  <a:pos x="connsiteX4" y="connsiteY4"/>
-                </a:cxn>
-              </a:cxnLst>
-              <a:rect l="l" t="t" r="r" b="b"/>
-              <a:pathLst>
-                <a:path w="264955" h="311498">
-                  <a:moveTo>
-                    <a:pt x="0" y="311498"/>
-                  </a:moveTo>
-                  <a:lnTo>
-                    <a:pt x="132478" y="0"/>
-                  </a:lnTo>
-                  <a:lnTo>
-                    <a:pt x="264955" y="311498"/>
-                  </a:lnTo>
-                  <a:lnTo>
-                    <a:pt x="138844" y="253377"/>
-                  </a:lnTo>
-                  <a:lnTo>
-                    <a:pt x="0" y="311498"/>
-                  </a:lnTo>
-                  <a:close/>
-                </a:path>
-              </a:pathLst>
-            </a:custGeom>
-            <a:grpFill/>
-            <a:ln w="19050">
-              <a:noFill/>
-              <a:miter lim="800000"/>
-              <a:headEnd/>
-              <a:tailEnd/>
-            </a:ln>
-            <a:effectLst>
-              <a:outerShdw blurRad="44450" dist="27940" dir="5400000" algn="ctr">
-                <a:srgbClr val="000000">
-                  <a:alpha val="32000"/>
-                </a:srgbClr>
-              </a:outerShdw>
-            </a:effectLst>
-            <a:sp3d>
-              <a:bevelT w="190500" h="38100"/>
-            </a:sp3d>
-          </p:spPr>
-          <p:txBody>
-            <a:bodyPr rot="10800000" vert="eaVert" wrap="none" anchor="ctr"/>
-            <a:lstStyle/>
-            <a:p>
-              <a:pPr>
-                <a:defRPr/>
-              </a:pPr>
-              <a:endParaRPr lang="en-GB" dirty="0">
-                <a:solidFill>
-                  <a:schemeClr val="accent6"/>
-                </a:solidFill>
-                <a:ea typeface="+mn-ea"/>
-              </a:endParaRPr>
-            </a:p>
-          </p:txBody>
-        </p:sp>
-        <p:sp>
-          <p:nvSpPr>
-            <p:cNvPr id="17" name="Freeform 11"/>
-            <p:cNvSpPr>
-              <a:spLocks/>
-            </p:cNvSpPr>
-            <p:nvPr/>
-          </p:nvSpPr>
-          <p:spPr bwMode="hidden">
-            <a:xfrm>
-              <a:off x="1802606" y="1545430"/>
-              <a:ext cx="701117" cy="344477"/>
-            </a:xfrm>
-            <a:custGeom>
-              <a:avLst/>
-              <a:gdLst>
-                <a:gd name="T0" fmla="*/ 0 w 245"/>
-                <a:gd name="T1" fmla="*/ 0 h 158"/>
-                <a:gd name="T2" fmla="*/ 245 w 245"/>
-                <a:gd name="T3" fmla="*/ 146 h 158"/>
-                <a:gd name="T4" fmla="*/ 226 w 245"/>
-                <a:gd name="T5" fmla="*/ 158 h 158"/>
-                <a:gd name="T6" fmla="*/ 0 w 245"/>
-                <a:gd name="T7" fmla="*/ 23 h 158"/>
-                <a:gd name="T8" fmla="*/ 0 w 245"/>
-                <a:gd name="T9" fmla="*/ 0 h 158"/>
-                <a:gd name="T10" fmla="*/ 0 60000 65536"/>
-                <a:gd name="T11" fmla="*/ 0 60000 65536"/>
-                <a:gd name="T12" fmla="*/ 0 60000 65536"/>
-                <a:gd name="T13" fmla="*/ 0 60000 65536"/>
-                <a:gd name="T14" fmla="*/ 0 60000 65536"/>
-                <a:gd name="T15" fmla="*/ 0 w 245"/>
-                <a:gd name="T16" fmla="*/ 0 h 158"/>
-                <a:gd name="T17" fmla="*/ 245 w 245"/>
-                <a:gd name="T18" fmla="*/ 158 h 158"/>
-              </a:gdLst>
-              <a:ahLst/>
-              <a:cxnLst>
-                <a:cxn ang="T10">
-                  <a:pos x="T0" y="T1"/>
-                </a:cxn>
-                <a:cxn ang="T11">
-                  <a:pos x="T2" y="T3"/>
-                </a:cxn>
-                <a:cxn ang="T12">
-                  <a:pos x="T4" y="T5"/>
-                </a:cxn>
-                <a:cxn ang="T13">
-                  <a:pos x="T6" y="T7"/>
-                </a:cxn>
-                <a:cxn ang="T14">
-                  <a:pos x="T8" y="T9"/>
-                </a:cxn>
-              </a:cxnLst>
-              <a:rect l="T15" t="T16" r="T17" b="T18"/>
-              <a:pathLst>
-                <a:path w="245" h="158">
-                  <a:moveTo>
-                    <a:pt x="0" y="0"/>
-                  </a:moveTo>
-                  <a:lnTo>
-                    <a:pt x="245" y="146"/>
-                  </a:lnTo>
-                  <a:lnTo>
-                    <a:pt x="226" y="158"/>
-                  </a:lnTo>
-                  <a:lnTo>
-                    <a:pt x="0" y="23"/>
-                  </a:lnTo>
-                  <a:lnTo>
-                    <a:pt x="0" y="0"/>
-                  </a:lnTo>
-                  <a:close/>
-                </a:path>
-              </a:pathLst>
-            </a:custGeom>
-            <a:grpFill/>
-            <a:ln w="28575" cap="flat" cmpd="sng">
-              <a:noFill/>
-              <a:prstDash val="solid"/>
-              <a:round/>
-              <a:headEnd type="none" w="med" len="med"/>
-              <a:tailEnd type="none" w="med" len="med"/>
-            </a:ln>
-            <a:effectLst>
-              <a:outerShdw blurRad="44450" dist="27940" dir="5400000" algn="ctr">
-                <a:srgbClr val="000000">
-                  <a:alpha val="32000"/>
-                </a:srgbClr>
-              </a:outerShdw>
-            </a:effectLst>
-            <a:sp3d>
-              <a:bevelT w="190500" h="38100"/>
-            </a:sp3d>
-          </p:spPr>
-          <p:txBody>
-            <a:bodyPr/>
-            <a:lstStyle/>
-            <a:p>
-              <a:pPr>
-                <a:defRPr/>
-              </a:pPr>
-              <a:endParaRPr lang="en-US" dirty="0">
-                <a:solidFill>
-                  <a:schemeClr val="accent6"/>
-                </a:solidFill>
-                <a:ea typeface="+mn-ea"/>
-              </a:endParaRPr>
-            </a:p>
-          </p:txBody>
-        </p:sp>
-        <p:sp>
-          <p:nvSpPr>
-            <p:cNvPr id="18" name="Freeform 12"/>
-            <p:cNvSpPr>
-              <a:spLocks/>
-            </p:cNvSpPr>
-            <p:nvPr/>
-          </p:nvSpPr>
-          <p:spPr bwMode="hidden">
-            <a:xfrm>
-              <a:off x="1797843" y="1840589"/>
-              <a:ext cx="710079" cy="357304"/>
-            </a:xfrm>
-            <a:custGeom>
-              <a:avLst/>
-              <a:gdLst>
-                <a:gd name="T0" fmla="*/ 248 w 248"/>
-                <a:gd name="T1" fmla="*/ 12 h 156"/>
-                <a:gd name="T2" fmla="*/ 0 w 248"/>
-                <a:gd name="T3" fmla="*/ 156 h 156"/>
-                <a:gd name="T4" fmla="*/ 3 w 248"/>
-                <a:gd name="T5" fmla="*/ 131 h 156"/>
-                <a:gd name="T6" fmla="*/ 229 w 248"/>
-                <a:gd name="T7" fmla="*/ 0 h 156"/>
-                <a:gd name="T8" fmla="*/ 248 w 248"/>
-                <a:gd name="T9" fmla="*/ 12 h 156"/>
-                <a:gd name="T10" fmla="*/ 0 60000 65536"/>
-                <a:gd name="T11" fmla="*/ 0 60000 65536"/>
-                <a:gd name="T12" fmla="*/ 0 60000 65536"/>
-                <a:gd name="T13" fmla="*/ 0 60000 65536"/>
-                <a:gd name="T14" fmla="*/ 0 60000 65536"/>
-                <a:gd name="T15" fmla="*/ 0 w 248"/>
-                <a:gd name="T16" fmla="*/ 0 h 156"/>
-                <a:gd name="T17" fmla="*/ 248 w 248"/>
-                <a:gd name="T18" fmla="*/ 156 h 156"/>
-              </a:gdLst>
-              <a:ahLst/>
-              <a:cxnLst>
-                <a:cxn ang="T10">
-                  <a:pos x="T0" y="T1"/>
-                </a:cxn>
-                <a:cxn ang="T11">
-                  <a:pos x="T2" y="T3"/>
-                </a:cxn>
-                <a:cxn ang="T12">
-                  <a:pos x="T4" y="T5"/>
-                </a:cxn>
-                <a:cxn ang="T13">
-                  <a:pos x="T6" y="T7"/>
-                </a:cxn>
-                <a:cxn ang="T14">
-                  <a:pos x="T8" y="T9"/>
-                </a:cxn>
-              </a:cxnLst>
-              <a:rect l="T15" t="T16" r="T17" b="T18"/>
-              <a:pathLst>
-                <a:path w="248" h="156">
-                  <a:moveTo>
-                    <a:pt x="248" y="12"/>
-                  </a:moveTo>
-                  <a:lnTo>
-                    <a:pt x="0" y="156"/>
-                  </a:lnTo>
-                  <a:lnTo>
-                    <a:pt x="3" y="131"/>
-                  </a:lnTo>
-                  <a:lnTo>
-                    <a:pt x="229" y="0"/>
-                  </a:lnTo>
-                  <a:lnTo>
-                    <a:pt x="248" y="12"/>
-                  </a:lnTo>
-                  <a:close/>
-                </a:path>
-              </a:pathLst>
-            </a:custGeom>
-            <a:grpFill/>
-            <a:ln w="28575" cap="flat" cmpd="sng">
-              <a:noFill/>
-              <a:prstDash val="solid"/>
-              <a:round/>
-              <a:headEnd type="none" w="med" len="med"/>
-              <a:tailEnd type="none" w="med" len="med"/>
-            </a:ln>
-            <a:effectLst>
-              <a:outerShdw blurRad="44450" dist="27940" dir="5400000" algn="ctr">
-                <a:srgbClr val="000000">
-                  <a:alpha val="32000"/>
-                </a:srgbClr>
-              </a:outerShdw>
-            </a:effectLst>
-            <a:sp3d>
-              <a:bevelT w="190500" h="38100"/>
-            </a:sp3d>
-          </p:spPr>
-          <p:txBody>
-            <a:bodyPr/>
-            <a:lstStyle/>
-            <a:p>
-              <a:pPr>
-                <a:defRPr/>
-              </a:pPr>
-              <a:endParaRPr lang="en-US" dirty="0">
-                <a:solidFill>
-                  <a:schemeClr val="accent6"/>
-                </a:solidFill>
-                <a:ea typeface="+mn-ea"/>
-              </a:endParaRPr>
-            </a:p>
-          </p:txBody>
-        </p:sp>
-      </p:grpSp>
+      <p:graphicFrame>
+        <p:nvGraphicFramePr>
+          <p:cNvPr id="8" name="Table 7">
+            <a:extLst>
+              <a:ext uri="{FF2B5EF4-FFF2-40B4-BE49-F238E27FC236}">
+                <a16:creationId xmlns:a16="http://schemas.microsoft.com/office/drawing/2014/main" id="{808D6416-5E27-4213-BE76-58BC8A4F9BDA}"/>
+              </a:ext>
+            </a:extLst>
+          </p:cNvPr>
+          <p:cNvGraphicFramePr>
+            <a:graphicFrameLocks noGrp="1"/>
+          </p:cNvGraphicFramePr>
+          <p:nvPr>
+            <p:extLst>
+              <p:ext uri="{D42A27DB-BD31-4B8C-83A1-F6EECF244321}">
+                <p14:modId xmlns:p14="http://schemas.microsoft.com/office/powerpoint/2010/main" val="368960502"/>
+              </p:ext>
+            </p:extLst>
+          </p:nvPr>
+        </p:nvGraphicFramePr>
+        <p:xfrm>
+          <a:off x="2880360" y="1447543"/>
+          <a:ext cx="3739896" cy="2194560"/>
+        </p:xfrm>
+        <a:graphic>
+          <a:graphicData uri="http://schemas.openxmlformats.org/drawingml/2006/table">
+            <a:tbl>
+              <a:tblPr>
+                <a:tableStyleId>{00A15C55-8517-42AA-B614-E9B94910E393}</a:tableStyleId>
+              </a:tblPr>
+              <a:tblGrid>
+                <a:gridCol w="3739896">
+                  <a:extLst>
+                    <a:ext uri="{9D8B030D-6E8A-4147-A177-3AD203B41FA5}">
+                      <a16:colId xmlns:a16="http://schemas.microsoft.com/office/drawing/2014/main" val="1695728431"/>
+                    </a:ext>
+                  </a:extLst>
+                </a:gridCol>
+              </a:tblGrid>
+              <a:tr h="548640">
+                <a:tc>
+                  <a:txBody>
+                    <a:bodyPr/>
+                    <a:lstStyle/>
+                    <a:p>
+                      <a:pPr eaLnBrk="1" hangingPunct="1">
+                        <a:spcAft>
+                          <a:spcPts val="1800"/>
+                        </a:spcAft>
+                      </a:pPr>
+                      <a:r>
+                        <a:rPr lang="en-US" altLang="en-US" sz="2000" b="1" dirty="0"/>
+                        <a:t>What Is Machine Learning?</a:t>
+                      </a:r>
+                    </a:p>
+                  </a:txBody>
+                  <a:tcPr anchor="ctr">
+                    <a:lnB w="12700" cap="flat" cmpd="sng" algn="ctr">
+                      <a:solidFill>
+                        <a:schemeClr val="bg1">
+                          <a:lumMod val="65000"/>
+                        </a:schemeClr>
+                      </a:solidFill>
+                      <a:prstDash val="solid"/>
+                      <a:round/>
+                      <a:headEnd type="none" w="med" len="med"/>
+                      <a:tailEnd type="none" w="med" len="med"/>
+                    </a:lnB>
+                    <a:noFill/>
+                  </a:tcPr>
+                </a:tc>
+                <a:extLst>
+                  <a:ext uri="{0D108BD9-81ED-4DB2-BD59-A6C34878D82A}">
+                    <a16:rowId xmlns:a16="http://schemas.microsoft.com/office/drawing/2014/main" val="2307098774"/>
+                  </a:ext>
+                </a:extLst>
+              </a:tr>
+              <a:tr h="548640">
+                <a:tc>
+                  <a:txBody>
+                    <a:bodyPr/>
+                    <a:lstStyle/>
+                    <a:p>
+                      <a:pPr eaLnBrk="1" hangingPunct="1">
+                        <a:spcAft>
+                          <a:spcPts val="1800"/>
+                        </a:spcAft>
+                      </a:pPr>
+                      <a:r>
+                        <a:rPr lang="en-US" altLang="en-US" sz="2000" b="0" dirty="0">
+                          <a:solidFill>
+                            <a:schemeClr val="bg1">
+                              <a:lumMod val="65000"/>
+                            </a:schemeClr>
+                          </a:solidFill>
+                        </a:rPr>
+                        <a:t>Python Primer</a:t>
+                      </a:r>
+                    </a:p>
+                  </a:txBody>
+                  <a:tcPr anchor="ctr">
+                    <a:lnT w="12700" cap="flat" cmpd="sng" algn="ctr">
+                      <a:solidFill>
+                        <a:schemeClr val="bg1">
+                          <a:lumMod val="65000"/>
+                        </a:schemeClr>
+                      </a:solidFill>
+                      <a:prstDash val="solid"/>
+                      <a:round/>
+                      <a:headEnd type="none" w="med" len="med"/>
+                      <a:tailEnd type="none" w="med" len="med"/>
+                    </a:lnT>
+                    <a:lnB w="12700" cap="flat" cmpd="sng" algn="ctr">
+                      <a:solidFill>
+                        <a:schemeClr val="bg1">
+                          <a:lumMod val="65000"/>
+                        </a:schemeClr>
+                      </a:solidFill>
+                      <a:prstDash val="solid"/>
+                      <a:round/>
+                      <a:headEnd type="none" w="med" len="med"/>
+                      <a:tailEnd type="none" w="med" len="med"/>
+                    </a:lnB>
+                    <a:noFill/>
+                  </a:tcPr>
+                </a:tc>
+                <a:extLst>
+                  <a:ext uri="{0D108BD9-81ED-4DB2-BD59-A6C34878D82A}">
+                    <a16:rowId xmlns:a16="http://schemas.microsoft.com/office/drawing/2014/main" val="1466711860"/>
+                  </a:ext>
+                </a:extLst>
+              </a:tr>
+              <a:tr h="548640">
+                <a:tc>
+                  <a:txBody>
+                    <a:bodyPr/>
+                    <a:lstStyle/>
+                    <a:p>
+                      <a:pPr eaLnBrk="1" hangingPunct="1">
+                        <a:spcAft>
+                          <a:spcPts val="1800"/>
+                        </a:spcAft>
+                      </a:pPr>
+                      <a:r>
+                        <a:rPr lang="en-US" altLang="en-US" sz="2000" b="0" dirty="0">
+                          <a:solidFill>
+                            <a:schemeClr val="bg1">
+                              <a:lumMod val="65000"/>
+                            </a:schemeClr>
+                          </a:solidFill>
+                        </a:rPr>
+                        <a:t>The Common Toolsets</a:t>
+                      </a:r>
+                    </a:p>
+                  </a:txBody>
+                  <a:tcPr anchor="ctr">
+                    <a:lnT w="12700" cap="flat" cmpd="sng" algn="ctr">
+                      <a:solidFill>
+                        <a:schemeClr val="bg1">
+                          <a:lumMod val="65000"/>
+                        </a:schemeClr>
+                      </a:solidFill>
+                      <a:prstDash val="solid"/>
+                      <a:round/>
+                      <a:headEnd type="none" w="med" len="med"/>
+                      <a:tailEnd type="none" w="med" len="med"/>
+                    </a:lnT>
+                    <a:lnB w="12700" cap="flat" cmpd="sng" algn="ctr">
+                      <a:solidFill>
+                        <a:schemeClr val="bg1">
+                          <a:lumMod val="65000"/>
+                        </a:schemeClr>
+                      </a:solidFill>
+                      <a:prstDash val="solid"/>
+                      <a:round/>
+                      <a:headEnd type="none" w="med" len="med"/>
+                      <a:tailEnd type="none" w="med" len="med"/>
+                    </a:lnB>
+                    <a:noFill/>
+                  </a:tcPr>
+                </a:tc>
+                <a:extLst>
+                  <a:ext uri="{0D108BD9-81ED-4DB2-BD59-A6C34878D82A}">
+                    <a16:rowId xmlns:a16="http://schemas.microsoft.com/office/drawing/2014/main" val="1924402624"/>
+                  </a:ext>
+                </a:extLst>
+              </a:tr>
+              <a:tr h="548640">
+                <a:tc>
+                  <a:txBody>
+                    <a:bodyPr/>
+                    <a:lstStyle/>
+                    <a:p>
+                      <a:pPr>
+                        <a:lnSpc>
+                          <a:spcPct val="100000"/>
+                        </a:lnSpc>
+                        <a:spcAft>
+                          <a:spcPts val="0"/>
+                        </a:spcAft>
+                      </a:pPr>
+                      <a:r>
+                        <a:rPr lang="en-US" sz="2000" dirty="0">
+                          <a:solidFill>
+                            <a:schemeClr val="bg1">
+                              <a:lumMod val="65000"/>
+                            </a:schemeClr>
+                          </a:solidFill>
+                        </a:rPr>
+                        <a:t>Chapter Summary</a:t>
+                      </a:r>
+                    </a:p>
+                  </a:txBody>
+                  <a:tcPr anchor="ctr">
+                    <a:lnT w="12700" cap="flat" cmpd="sng" algn="ctr">
+                      <a:solidFill>
+                        <a:schemeClr val="bg1">
+                          <a:lumMod val="65000"/>
+                        </a:schemeClr>
+                      </a:solidFill>
+                      <a:prstDash val="solid"/>
+                      <a:round/>
+                      <a:headEnd type="none" w="med" len="med"/>
+                      <a:tailEnd type="none" w="med" len="med"/>
+                    </a:lnT>
+                    <a:lnB w="12700" cap="flat" cmpd="sng" algn="ctr">
+                      <a:solidFill>
+                        <a:schemeClr val="bg1">
+                          <a:lumMod val="65000"/>
+                        </a:schemeClr>
+                      </a:solidFill>
+                      <a:prstDash val="solid"/>
+                      <a:round/>
+                      <a:headEnd type="none" w="med" len="med"/>
+                      <a:tailEnd type="none" w="med" len="med"/>
+                    </a:lnB>
+                    <a:noFill/>
+                  </a:tcPr>
+                </a:tc>
+                <a:extLst>
+                  <a:ext uri="{0D108BD9-81ED-4DB2-BD59-A6C34878D82A}">
+                    <a16:rowId xmlns:a16="http://schemas.microsoft.com/office/drawing/2014/main" val="376303497"/>
+                  </a:ext>
+                </a:extLst>
+              </a:tr>
+            </a:tbl>
+          </a:graphicData>
+        </a:graphic>
+      </p:graphicFrame>
     </p:spTree>
     <p:extLst>
       <p:ext uri="{BB962C8B-B14F-4D97-AF65-F5344CB8AC3E}">
@@ -13232,13 +12585,13 @@
           <a:p>
             <a:r>
               <a:rPr lang="en-US" dirty="0"/>
-              <a:t>Built on NumPy, SciPy, and matplotlib</a:t>
-            </a:r>
-          </a:p>
-          <a:p>
-            <a:r>
-              <a:rPr lang="en-US" dirty="0"/>
-              <a:t>Support for a number of areas such as:</a:t>
+              <a:t>Built on NumPy, SciPy, and Matplotlib</a:t>
+            </a:r>
+          </a:p>
+          <a:p>
+            <a:r>
+              <a:rPr lang="en-US" dirty="0"/>
+              <a:t>Support for a number of areas, such as:</a:t>
             </a:r>
           </a:p>
           <a:p>
@@ -13269,37 +12622,8 @@
                 <a:ea typeface="Courier New" charset="0"/>
                 <a:cs typeface="Courier New" charset="0"/>
               </a:rPr>
-              <a:t>import </a:t>
-            </a:r>
-            <a:r>
-              <a:rPr lang="en-US" dirty="0" err="1">
-                <a:latin typeface="Courier New" charset="0"/>
-                <a:ea typeface="Courier New" charset="0"/>
-                <a:cs typeface="Courier New" charset="0"/>
-              </a:rPr>
-              <a:t>sklearn</a:t>
-            </a:r>
-            <a:r>
-              <a:rPr lang="en-US" dirty="0">
-                <a:latin typeface="Courier New" charset="0"/>
-                <a:ea typeface="Courier New" charset="0"/>
-                <a:cs typeface="Courier New" charset="0"/>
-              </a:rPr>
-              <a:t> as </a:t>
-            </a:r>
-            <a:r>
-              <a:rPr lang="en-US" dirty="0" err="1">
-                <a:latin typeface="Courier New" charset="0"/>
-                <a:ea typeface="Courier New" charset="0"/>
-                <a:cs typeface="Courier New" charset="0"/>
-              </a:rPr>
-              <a:t>sk</a:t>
-            </a:r>
-            <a:endParaRPr lang="en-US" dirty="0">
-              <a:latin typeface="Courier New" charset="0"/>
-              <a:ea typeface="Courier New" charset="0"/>
-              <a:cs typeface="Courier New" charset="0"/>
-            </a:endParaRPr>
+              <a:t>import sklearn as sk</a:t>
+            </a:r>
           </a:p>
           <a:p>
             <a:pPr marL="0" indent="0">
@@ -13377,12 +12701,8 @@
           <a:lstStyle/>
           <a:p>
             <a:r>
-              <a:rPr lang="en-US" dirty="0" err="1"/>
-              <a:t>IPython</a:t>
-            </a:r>
-            <a:r>
-              <a:rPr lang="en-US" dirty="0"/>
-              <a:t> is an enhanced Python shell</a:t>
+              <a:rPr lang="en-US" dirty="0"/>
+              <a:t>IPython is an enhanced Python shell</a:t>
             </a:r>
           </a:p>
           <a:p>
@@ -13407,12 +12727,8 @@
           <a:p>
             <a:pPr lvl="1"/>
             <a:r>
-              <a:rPr lang="en-US" dirty="0" err="1"/>
-              <a:t>Jupyter</a:t>
-            </a:r>
-            <a:r>
-              <a:rPr lang="en-US" dirty="0"/>
-              <a:t> notebook for working with web browser to combine mark-down and Python code mixed together</a:t>
+              <a:rPr lang="en-US" dirty="0"/>
+              <a:t>Jupyter Notebook for working with web browser to combine markdown and Python code mixed together</a:t>
             </a:r>
           </a:p>
           <a:p>
@@ -13514,21 +12830,21 @@
           <a:p>
             <a:r>
               <a:rPr lang="en-US" dirty="0"/>
-              <a:t>Spark is a processing engine that </a:t>
-            </a:r>
-          </a:p>
-          <a:p>
-            <a:pPr lvl="1"/>
-            <a:r>
-              <a:rPr lang="en-US" dirty="0"/>
-              <a:t>works very fast on a cluster</a:t>
-            </a:r>
-          </a:p>
-          <a:p>
-            <a:pPr lvl="1"/>
-            <a:r>
-              <a:rPr lang="en-US" dirty="0"/>
-              <a:t>supports a lot of machine learning algorithms </a:t>
+              <a:t>Spark is a processing engine that:</a:t>
+            </a:r>
+          </a:p>
+          <a:p>
+            <a:pPr lvl="1"/>
+            <a:r>
+              <a:rPr lang="en-US" dirty="0"/>
+              <a:t>Works very fast on a cluster</a:t>
+            </a:r>
+          </a:p>
+          <a:p>
+            <a:pPr lvl="1"/>
+            <a:r>
+              <a:rPr lang="en-US" dirty="0"/>
+              <a:t>Supports a lot of machine learning algorithms </a:t>
             </a:r>
           </a:p>
           <a:p>
@@ -13541,7 +12857,7 @@
           <a:p>
             <a:r>
               <a:rPr lang="en-US" dirty="0"/>
-              <a:t>GCP provides the ability to create cloud based machines or use existing services to do a lot of the machine learning</a:t>
+              <a:t>GCP provides the ability to create cloud-based machines or use existing services to do a lot of the machine learning</a:t>
             </a:r>
           </a:p>
         </p:txBody>
@@ -13627,27 +12943,12 @@
           </a:p>
           <a:p>
             <a:r>
-              <a:rPr lang="en-US" dirty="0"/>
-              <a:t>Download and install from:</a:t>
-            </a:r>
-          </a:p>
-          <a:p>
-            <a:pPr lvl="1"/>
-            <a:r>
-              <a:rPr lang="en-US" dirty="0">
-                <a:hlinkClick r:id="rId3"/>
-              </a:rPr>
-              <a:t>https://www.continuum.io/downloads</a:t>
-            </a:r>
-            <a:r>
-              <a:rPr lang="en-US" dirty="0"/>
-              <a:t> </a:t>
-            </a:r>
-          </a:p>
-          <a:p>
-            <a:r>
-              <a:rPr lang="en-US" dirty="0"/>
-              <a:t>You can also use regular Python and install the libraries you need with pip</a:t>
+              <a:rPr lang="en-US"/>
+              <a:t>You </a:t>
+            </a:r>
+            <a:r>
+              <a:rPr lang="en-US" dirty="0"/>
+              <a:t>can also use regular Python and install the libraries you need with pip</a:t>
             </a:r>
           </a:p>
           <a:p>
@@ -13658,55 +12959,7 @@
                 <a:ea typeface="Courier New" charset="0"/>
                 <a:cs typeface="Courier New" charset="0"/>
               </a:rPr>
-              <a:t>pip install </a:t>
-            </a:r>
-            <a:r>
-              <a:rPr lang="en-US" dirty="0" err="1">
-                <a:latin typeface="Courier New" charset="0"/>
-                <a:ea typeface="Courier New" charset="0"/>
-                <a:cs typeface="Courier New" charset="0"/>
-              </a:rPr>
-              <a:t>numpy</a:t>
-            </a:r>
-            <a:r>
-              <a:rPr lang="en-US" dirty="0">
-                <a:latin typeface="Courier New" charset="0"/>
-                <a:ea typeface="Courier New" charset="0"/>
-                <a:cs typeface="Courier New" charset="0"/>
-              </a:rPr>
-              <a:t> </a:t>
-            </a:r>
-            <a:r>
-              <a:rPr lang="en-US" dirty="0" err="1">
-                <a:latin typeface="Courier New" charset="0"/>
-                <a:ea typeface="Courier New" charset="0"/>
-                <a:cs typeface="Courier New" charset="0"/>
-              </a:rPr>
-              <a:t>scipy</a:t>
-            </a:r>
-            <a:r>
-              <a:rPr lang="en-US" dirty="0">
-                <a:latin typeface="Courier New" charset="0"/>
-                <a:ea typeface="Courier New" charset="0"/>
-                <a:cs typeface="Courier New" charset="0"/>
-              </a:rPr>
-              <a:t> pandas matplotlib </a:t>
-            </a:r>
-            <a:r>
-              <a:rPr lang="en-US" dirty="0" err="1">
-                <a:latin typeface="Courier New" charset="0"/>
-                <a:ea typeface="Courier New" charset="0"/>
-                <a:cs typeface="Courier New" charset="0"/>
-              </a:rPr>
-              <a:t>sklearn</a:t>
-            </a:r>
-            <a:r>
-              <a:rPr lang="en-US">
-                <a:latin typeface="Courier New" charset="0"/>
-                <a:ea typeface="Courier New" charset="0"/>
-                <a:cs typeface="Courier New" charset="0"/>
-              </a:rPr>
-              <a:t> seaborn</a:t>
+              <a:t>pip install numpy scipy pandas matplotlib sklearn seaborn</a:t>
             </a:r>
             <a:endParaRPr lang="en-US" dirty="0"/>
           </a:p>
@@ -13753,84 +13006,19 @@
       </p:grpSpPr>
       <p:sp>
         <p:nvSpPr>
-          <p:cNvPr id="14339" name="Text Placeholder 2"/>
+          <p:cNvPr id="14338" name="Title 1"/>
           <p:cNvSpPr>
             <a:spLocks noGrp="1"/>
           </p:cNvSpPr>
           <p:nvPr>
-            <p:ph type="body" sz="quarter" idx="11"/>
-          </p:nvPr>
-        </p:nvSpPr>
-        <p:spPr>
-          <a:xfrm>
-            <a:off x="3204173" y="1586192"/>
-            <a:ext cx="5742641" cy="4101913"/>
-          </a:xfrm>
-        </p:spPr>
+            <p:ph type="title"/>
+          </p:nvPr>
+        </p:nvSpPr>
+        <p:spPr/>
         <p:txBody>
           <a:bodyPr/>
           <a:lstStyle/>
           <a:p>
-            <a:pPr eaLnBrk="1" hangingPunct="1">
-              <a:spcAft>
-                <a:spcPts val="1800"/>
-              </a:spcAft>
-            </a:pPr>
-            <a:r>
-              <a:rPr lang="en-US" altLang="en-US" b="0" dirty="0"/>
-              <a:t>What is Machine Learning</a:t>
-            </a:r>
-          </a:p>
-          <a:p>
-            <a:pPr eaLnBrk="1" hangingPunct="1">
-              <a:spcAft>
-                <a:spcPts val="1800"/>
-              </a:spcAft>
-            </a:pPr>
-            <a:r>
-              <a:rPr lang="en-US" altLang="en-US" b="0" dirty="0"/>
-              <a:t>Python Primer</a:t>
-            </a:r>
-          </a:p>
-          <a:p>
-            <a:pPr eaLnBrk="1" hangingPunct="1">
-              <a:spcAft>
-                <a:spcPts val="1800"/>
-              </a:spcAft>
-            </a:pPr>
-            <a:r>
-              <a:rPr lang="en-US" altLang="en-US" dirty="0"/>
-              <a:t>The Common Toolsets</a:t>
-            </a:r>
-          </a:p>
-          <a:p>
-            <a:pPr lvl="1" eaLnBrk="1" hangingPunct="1">
-              <a:spcAft>
-                <a:spcPts val="1800"/>
-              </a:spcAft>
-            </a:pPr>
-            <a:r>
-              <a:rPr lang="en-US" altLang="en-US" dirty="0"/>
-              <a:t>Chapter Summary</a:t>
-            </a:r>
-          </a:p>
-        </p:txBody>
-      </p:sp>
-      <p:sp>
-        <p:nvSpPr>
-          <p:cNvPr id="14338" name="Title 1"/>
-          <p:cNvSpPr>
-            <a:spLocks noGrp="1"/>
-          </p:cNvSpPr>
-          <p:nvPr>
-            <p:ph type="title"/>
-          </p:nvPr>
-        </p:nvSpPr>
-        <p:spPr/>
-        <p:txBody>
-          <a:bodyPr/>
-          <a:lstStyle/>
-          <a:p>
             <a:pPr eaLnBrk="1" hangingPunct="1"/>
             <a:r>
               <a:rPr lang="en-US" altLang="en-US" dirty="0"/>
@@ -13839,373 +13027,259 @@
           </a:p>
         </p:txBody>
       </p:sp>
-      <p:grpSp>
-        <p:nvGrpSpPr>
-          <p:cNvPr id="13" name="Group 12"/>
-          <p:cNvGrpSpPr/>
-          <p:nvPr/>
-        </p:nvGrpSpPr>
-        <p:grpSpPr>
-          <a:xfrm>
-            <a:off x="2793851" y="3252564"/>
-            <a:ext cx="410322" cy="377482"/>
-            <a:chOff x="1766887" y="1515010"/>
-            <a:chExt cx="741316" cy="700622"/>
-          </a:xfrm>
-          <a:solidFill>
-            <a:schemeClr val="accent4"/>
-          </a:solidFill>
-          <a:scene3d>
-            <a:camera prst="orthographicFront">
-              <a:rot lat="0" lon="0" rev="0"/>
-            </a:camera>
-            <a:lightRig rig="balanced" dir="t">
-              <a:rot lat="0" lon="0" rev="8700000"/>
-            </a:lightRig>
-          </a:scene3d>
-        </p:grpSpPr>
-        <p:sp>
-          <p:nvSpPr>
-            <p:cNvPr id="16" name="AutoShape 10"/>
-            <p:cNvSpPr>
-              <a:spLocks noChangeArrowheads="1"/>
-            </p:cNvSpPr>
-            <p:nvPr/>
-          </p:nvSpPr>
-          <p:spPr bwMode="black">
-            <a:xfrm rot="5400000">
-              <a:off x="1787234" y="1494663"/>
-              <a:ext cx="700622" cy="741316"/>
-            </a:xfrm>
-            <a:custGeom>
-              <a:avLst/>
-              <a:gdLst>
-                <a:gd name="connsiteX0" fmla="*/ 0 w 264955"/>
-                <a:gd name="connsiteY0" fmla="*/ 311498 h 311498"/>
-                <a:gd name="connsiteX1" fmla="*/ 132478 w 264955"/>
-                <a:gd name="connsiteY1" fmla="*/ 0 h 311498"/>
-                <a:gd name="connsiteX2" fmla="*/ 264955 w 264955"/>
-                <a:gd name="connsiteY2" fmla="*/ 311498 h 311498"/>
-                <a:gd name="connsiteX3" fmla="*/ 0 w 264955"/>
-                <a:gd name="connsiteY3" fmla="*/ 311498 h 311498"/>
-                <a:gd name="connsiteX0" fmla="*/ 0 w 264955"/>
-                <a:gd name="connsiteY0" fmla="*/ 311498 h 312908"/>
-                <a:gd name="connsiteX1" fmla="*/ 132478 w 264955"/>
-                <a:gd name="connsiteY1" fmla="*/ 0 h 312908"/>
-                <a:gd name="connsiteX2" fmla="*/ 264955 w 264955"/>
-                <a:gd name="connsiteY2" fmla="*/ 311498 h 312908"/>
-                <a:gd name="connsiteX3" fmla="*/ 124553 w 264955"/>
-                <a:gd name="connsiteY3" fmla="*/ 312908 h 312908"/>
-                <a:gd name="connsiteX4" fmla="*/ 0 w 264955"/>
-                <a:gd name="connsiteY4" fmla="*/ 311498 h 312908"/>
-                <a:gd name="connsiteX0" fmla="*/ 0 w 264955"/>
-                <a:gd name="connsiteY0" fmla="*/ 311498 h 311498"/>
-                <a:gd name="connsiteX1" fmla="*/ 132478 w 264955"/>
-                <a:gd name="connsiteY1" fmla="*/ 0 h 311498"/>
-                <a:gd name="connsiteX2" fmla="*/ 264955 w 264955"/>
-                <a:gd name="connsiteY2" fmla="*/ 311498 h 311498"/>
-                <a:gd name="connsiteX3" fmla="*/ 138844 w 264955"/>
-                <a:gd name="connsiteY3" fmla="*/ 253377 h 311498"/>
-                <a:gd name="connsiteX4" fmla="*/ 0 w 264955"/>
-                <a:gd name="connsiteY4" fmla="*/ 311498 h 311498"/>
-              </a:gdLst>
-              <a:ahLst/>
-              <a:cxnLst>
-                <a:cxn ang="0">
-                  <a:pos x="connsiteX0" y="connsiteY0"/>
-                </a:cxn>
-                <a:cxn ang="0">
-                  <a:pos x="connsiteX1" y="connsiteY1"/>
-                </a:cxn>
-                <a:cxn ang="0">
-                  <a:pos x="connsiteX2" y="connsiteY2"/>
-                </a:cxn>
-                <a:cxn ang="0">
-                  <a:pos x="connsiteX3" y="connsiteY3"/>
-                </a:cxn>
-                <a:cxn ang="0">
-                  <a:pos x="connsiteX4" y="connsiteY4"/>
-                </a:cxn>
-              </a:cxnLst>
-              <a:rect l="l" t="t" r="r" b="b"/>
-              <a:pathLst>
-                <a:path w="264955" h="311498">
-                  <a:moveTo>
-                    <a:pt x="0" y="311498"/>
-                  </a:moveTo>
-                  <a:lnTo>
-                    <a:pt x="132478" y="0"/>
-                  </a:lnTo>
-                  <a:lnTo>
-                    <a:pt x="264955" y="311498"/>
-                  </a:lnTo>
-                  <a:lnTo>
-                    <a:pt x="138844" y="253377"/>
-                  </a:lnTo>
-                  <a:lnTo>
-                    <a:pt x="0" y="311498"/>
-                  </a:lnTo>
-                  <a:close/>
-                </a:path>
-              </a:pathLst>
-            </a:custGeom>
-            <a:grpFill/>
-            <a:ln w="19050">
-              <a:noFill/>
-              <a:miter lim="800000"/>
-              <a:headEnd/>
-              <a:tailEnd/>
-            </a:ln>
-            <a:effectLst>
-              <a:outerShdw blurRad="44450" dist="27940" dir="5400000" algn="ctr">
-                <a:srgbClr val="000000">
-                  <a:alpha val="32000"/>
-                </a:srgbClr>
-              </a:outerShdw>
-            </a:effectLst>
-            <a:sp3d>
-              <a:bevelT w="190500" h="38100"/>
-            </a:sp3d>
-          </p:spPr>
-          <p:txBody>
-            <a:bodyPr rot="10800000" vert="eaVert" wrap="none" anchor="ctr"/>
-            <a:lstStyle/>
-            <a:p>
-              <a:pPr>
-                <a:defRPr/>
-              </a:pPr>
-              <a:endParaRPr lang="en-GB" dirty="0">
-                <a:solidFill>
-                  <a:schemeClr val="accent6"/>
-                </a:solidFill>
-                <a:ea typeface="+mn-ea"/>
-              </a:endParaRPr>
-            </a:p>
-          </p:txBody>
-        </p:sp>
-        <p:sp>
-          <p:nvSpPr>
-            <p:cNvPr id="17" name="Freeform 11"/>
-            <p:cNvSpPr>
-              <a:spLocks/>
-            </p:cNvSpPr>
-            <p:nvPr/>
-          </p:nvSpPr>
-          <p:spPr bwMode="hidden">
-            <a:xfrm>
-              <a:off x="1802606" y="1545430"/>
-              <a:ext cx="701117" cy="344477"/>
-            </a:xfrm>
-            <a:custGeom>
-              <a:avLst/>
-              <a:gdLst>
-                <a:gd name="T0" fmla="*/ 0 w 245"/>
-                <a:gd name="T1" fmla="*/ 0 h 158"/>
-                <a:gd name="T2" fmla="*/ 245 w 245"/>
-                <a:gd name="T3" fmla="*/ 146 h 158"/>
-                <a:gd name="T4" fmla="*/ 226 w 245"/>
-                <a:gd name="T5" fmla="*/ 158 h 158"/>
-                <a:gd name="T6" fmla="*/ 0 w 245"/>
-                <a:gd name="T7" fmla="*/ 23 h 158"/>
-                <a:gd name="T8" fmla="*/ 0 w 245"/>
-                <a:gd name="T9" fmla="*/ 0 h 158"/>
-                <a:gd name="T10" fmla="*/ 0 60000 65536"/>
-                <a:gd name="T11" fmla="*/ 0 60000 65536"/>
-                <a:gd name="T12" fmla="*/ 0 60000 65536"/>
-                <a:gd name="T13" fmla="*/ 0 60000 65536"/>
-                <a:gd name="T14" fmla="*/ 0 60000 65536"/>
-                <a:gd name="T15" fmla="*/ 0 w 245"/>
-                <a:gd name="T16" fmla="*/ 0 h 158"/>
-                <a:gd name="T17" fmla="*/ 245 w 245"/>
-                <a:gd name="T18" fmla="*/ 158 h 158"/>
-              </a:gdLst>
-              <a:ahLst/>
-              <a:cxnLst>
-                <a:cxn ang="T10">
-                  <a:pos x="T0" y="T1"/>
-                </a:cxn>
-                <a:cxn ang="T11">
-                  <a:pos x="T2" y="T3"/>
-                </a:cxn>
-                <a:cxn ang="T12">
-                  <a:pos x="T4" y="T5"/>
-                </a:cxn>
-                <a:cxn ang="T13">
-                  <a:pos x="T6" y="T7"/>
-                </a:cxn>
-                <a:cxn ang="T14">
-                  <a:pos x="T8" y="T9"/>
-                </a:cxn>
-              </a:cxnLst>
-              <a:rect l="T15" t="T16" r="T17" b="T18"/>
-              <a:pathLst>
-                <a:path w="245" h="158">
-                  <a:moveTo>
-                    <a:pt x="0" y="0"/>
-                  </a:moveTo>
-                  <a:lnTo>
-                    <a:pt x="245" y="146"/>
-                  </a:lnTo>
-                  <a:lnTo>
-                    <a:pt x="226" y="158"/>
-                  </a:lnTo>
-                  <a:lnTo>
-                    <a:pt x="0" y="23"/>
-                  </a:lnTo>
-                  <a:lnTo>
-                    <a:pt x="0" y="0"/>
-                  </a:lnTo>
-                  <a:close/>
-                </a:path>
-              </a:pathLst>
-            </a:custGeom>
-            <a:grpFill/>
-            <a:ln w="28575" cap="flat" cmpd="sng">
-              <a:noFill/>
-              <a:prstDash val="solid"/>
-              <a:round/>
-              <a:headEnd type="none" w="med" len="med"/>
-              <a:tailEnd type="none" w="med" len="med"/>
-            </a:ln>
-            <a:effectLst>
-              <a:outerShdw blurRad="44450" dist="27940" dir="5400000" algn="ctr">
-                <a:srgbClr val="000000">
-                  <a:alpha val="32000"/>
-                </a:srgbClr>
-              </a:outerShdw>
-            </a:effectLst>
-            <a:sp3d>
-              <a:bevelT w="190500" h="38100"/>
-            </a:sp3d>
-          </p:spPr>
-          <p:txBody>
-            <a:bodyPr/>
-            <a:lstStyle/>
-            <a:p>
-              <a:pPr>
-                <a:defRPr/>
-              </a:pPr>
-              <a:endParaRPr lang="en-US" dirty="0">
-                <a:solidFill>
-                  <a:schemeClr val="accent6"/>
-                </a:solidFill>
-                <a:ea typeface="+mn-ea"/>
-              </a:endParaRPr>
-            </a:p>
-          </p:txBody>
-        </p:sp>
-        <p:sp>
-          <p:nvSpPr>
-            <p:cNvPr id="18" name="Freeform 12"/>
-            <p:cNvSpPr>
-              <a:spLocks/>
-            </p:cNvSpPr>
-            <p:nvPr/>
-          </p:nvSpPr>
-          <p:spPr bwMode="hidden">
-            <a:xfrm>
-              <a:off x="1797843" y="1840589"/>
-              <a:ext cx="710079" cy="357304"/>
-            </a:xfrm>
-            <a:custGeom>
-              <a:avLst/>
-              <a:gdLst>
-                <a:gd name="T0" fmla="*/ 248 w 248"/>
-                <a:gd name="T1" fmla="*/ 12 h 156"/>
-                <a:gd name="T2" fmla="*/ 0 w 248"/>
-                <a:gd name="T3" fmla="*/ 156 h 156"/>
-                <a:gd name="T4" fmla="*/ 3 w 248"/>
-                <a:gd name="T5" fmla="*/ 131 h 156"/>
-                <a:gd name="T6" fmla="*/ 229 w 248"/>
-                <a:gd name="T7" fmla="*/ 0 h 156"/>
-                <a:gd name="T8" fmla="*/ 248 w 248"/>
-                <a:gd name="T9" fmla="*/ 12 h 156"/>
-                <a:gd name="T10" fmla="*/ 0 60000 65536"/>
-                <a:gd name="T11" fmla="*/ 0 60000 65536"/>
-                <a:gd name="T12" fmla="*/ 0 60000 65536"/>
-                <a:gd name="T13" fmla="*/ 0 60000 65536"/>
-                <a:gd name="T14" fmla="*/ 0 60000 65536"/>
-                <a:gd name="T15" fmla="*/ 0 w 248"/>
-                <a:gd name="T16" fmla="*/ 0 h 156"/>
-                <a:gd name="T17" fmla="*/ 248 w 248"/>
-                <a:gd name="T18" fmla="*/ 156 h 156"/>
-              </a:gdLst>
-              <a:ahLst/>
-              <a:cxnLst>
-                <a:cxn ang="T10">
-                  <a:pos x="T0" y="T1"/>
-                </a:cxn>
-                <a:cxn ang="T11">
-                  <a:pos x="T2" y="T3"/>
-                </a:cxn>
-                <a:cxn ang="T12">
-                  <a:pos x="T4" y="T5"/>
-                </a:cxn>
-                <a:cxn ang="T13">
-                  <a:pos x="T6" y="T7"/>
-                </a:cxn>
-                <a:cxn ang="T14">
-                  <a:pos x="T8" y="T9"/>
-                </a:cxn>
-              </a:cxnLst>
-              <a:rect l="T15" t="T16" r="T17" b="T18"/>
-              <a:pathLst>
-                <a:path w="248" h="156">
-                  <a:moveTo>
-                    <a:pt x="248" y="12"/>
-                  </a:moveTo>
-                  <a:lnTo>
-                    <a:pt x="0" y="156"/>
-                  </a:lnTo>
-                  <a:lnTo>
-                    <a:pt x="3" y="131"/>
-                  </a:lnTo>
-                  <a:lnTo>
-                    <a:pt x="229" y="0"/>
-                  </a:lnTo>
-                  <a:lnTo>
-                    <a:pt x="248" y="12"/>
-                  </a:lnTo>
-                  <a:close/>
-                </a:path>
-              </a:pathLst>
-            </a:custGeom>
-            <a:grpFill/>
-            <a:ln w="28575" cap="flat" cmpd="sng">
-              <a:noFill/>
-              <a:prstDash val="solid"/>
-              <a:round/>
-              <a:headEnd type="none" w="med" len="med"/>
-              <a:tailEnd type="none" w="med" len="med"/>
-            </a:ln>
-            <a:effectLst>
-              <a:outerShdw blurRad="44450" dist="27940" dir="5400000" algn="ctr">
-                <a:srgbClr val="000000">
-                  <a:alpha val="32000"/>
-                </a:srgbClr>
-              </a:outerShdw>
-            </a:effectLst>
-            <a:sp3d>
-              <a:bevelT w="190500" h="38100"/>
-            </a:sp3d>
-          </p:spPr>
-          <p:txBody>
-            <a:bodyPr/>
-            <a:lstStyle/>
-            <a:p>
-              <a:pPr>
-                <a:defRPr/>
-              </a:pPr>
-              <a:endParaRPr lang="en-US" dirty="0">
-                <a:solidFill>
-                  <a:schemeClr val="accent6"/>
-                </a:solidFill>
-                <a:ea typeface="+mn-ea"/>
-              </a:endParaRPr>
-            </a:p>
-          </p:txBody>
-        </p:sp>
-      </p:grpSp>
+      <p:graphicFrame>
+        <p:nvGraphicFramePr>
+          <p:cNvPr id="9" name="Table 8">
+            <a:extLst>
+              <a:ext uri="{FF2B5EF4-FFF2-40B4-BE49-F238E27FC236}">
+                <a16:creationId xmlns:a16="http://schemas.microsoft.com/office/drawing/2014/main" id="{6B727A3B-6769-42BC-BB59-CD223A9AE4B6}"/>
+              </a:ext>
+            </a:extLst>
+          </p:cNvPr>
+          <p:cNvGraphicFramePr>
+            <a:graphicFrameLocks noGrp="1"/>
+          </p:cNvGraphicFramePr>
+          <p:nvPr>
+            <p:extLst>
+              <p:ext uri="{D42A27DB-BD31-4B8C-83A1-F6EECF244321}">
+                <p14:modId xmlns:p14="http://schemas.microsoft.com/office/powerpoint/2010/main" val="235288359"/>
+              </p:ext>
+            </p:extLst>
+          </p:nvPr>
+        </p:nvGraphicFramePr>
+        <p:xfrm>
+          <a:off x="2880360" y="1447543"/>
+          <a:ext cx="3739896" cy="2194560"/>
+        </p:xfrm>
+        <a:graphic>
+          <a:graphicData uri="http://schemas.openxmlformats.org/drawingml/2006/table">
+            <a:tbl>
+              <a:tblPr>
+                <a:tableStyleId>{00A15C55-8517-42AA-B614-E9B94910E393}</a:tableStyleId>
+              </a:tblPr>
+              <a:tblGrid>
+                <a:gridCol w="3739896">
+                  <a:extLst>
+                    <a:ext uri="{9D8B030D-6E8A-4147-A177-3AD203B41FA5}">
+                      <a16:colId xmlns:a16="http://schemas.microsoft.com/office/drawing/2014/main" val="1695728431"/>
+                    </a:ext>
+                  </a:extLst>
+                </a:gridCol>
+              </a:tblGrid>
+              <a:tr h="548640">
+                <a:tc>
+                  <a:txBody>
+                    <a:bodyPr/>
+                    <a:lstStyle/>
+                    <a:p>
+                      <a:pPr eaLnBrk="1" hangingPunct="1">
+                        <a:spcAft>
+                          <a:spcPts val="1800"/>
+                        </a:spcAft>
+                      </a:pPr>
+                      <a:r>
+                        <a:rPr lang="en-US" altLang="en-US" sz="2000" b="0" dirty="0">
+                          <a:solidFill>
+                            <a:schemeClr val="bg1">
+                              <a:lumMod val="65000"/>
+                            </a:schemeClr>
+                          </a:solidFill>
+                        </a:rPr>
+                        <a:t>What Is Machine Learning?</a:t>
+                      </a:r>
+                    </a:p>
+                  </a:txBody>
+                  <a:tcPr anchor="ctr">
+                    <a:lnB w="12700" cap="flat" cmpd="sng" algn="ctr">
+                      <a:solidFill>
+                        <a:schemeClr val="bg1">
+                          <a:lumMod val="65000"/>
+                        </a:schemeClr>
+                      </a:solidFill>
+                      <a:prstDash val="solid"/>
+                      <a:round/>
+                      <a:headEnd type="none" w="med" len="med"/>
+                      <a:tailEnd type="none" w="med" len="med"/>
+                    </a:lnB>
+                    <a:noFill/>
+                  </a:tcPr>
+                </a:tc>
+                <a:extLst>
+                  <a:ext uri="{0D108BD9-81ED-4DB2-BD59-A6C34878D82A}">
+                    <a16:rowId xmlns:a16="http://schemas.microsoft.com/office/drawing/2014/main" val="2307098774"/>
+                  </a:ext>
+                </a:extLst>
+              </a:tr>
+              <a:tr h="548640">
+                <a:tc>
+                  <a:txBody>
+                    <a:bodyPr/>
+                    <a:lstStyle/>
+                    <a:p>
+                      <a:pPr eaLnBrk="1" hangingPunct="1">
+                        <a:spcAft>
+                          <a:spcPts val="1800"/>
+                        </a:spcAft>
+                      </a:pPr>
+                      <a:r>
+                        <a:rPr lang="en-US" altLang="en-US" sz="2000" b="0" dirty="0">
+                          <a:solidFill>
+                            <a:schemeClr val="bg1">
+                              <a:lumMod val="65000"/>
+                            </a:schemeClr>
+                          </a:solidFill>
+                        </a:rPr>
+                        <a:t>Python Primer</a:t>
+                      </a:r>
+                    </a:p>
+                  </a:txBody>
+                  <a:tcPr anchor="ctr">
+                    <a:lnT w="12700" cap="flat" cmpd="sng" algn="ctr">
+                      <a:solidFill>
+                        <a:schemeClr val="bg1">
+                          <a:lumMod val="65000"/>
+                        </a:schemeClr>
+                      </a:solidFill>
+                      <a:prstDash val="solid"/>
+                      <a:round/>
+                      <a:headEnd type="none" w="med" len="med"/>
+                      <a:tailEnd type="none" w="med" len="med"/>
+                    </a:lnT>
+                    <a:lnB w="12700" cap="flat" cmpd="sng" algn="ctr">
+                      <a:solidFill>
+                        <a:schemeClr val="bg1">
+                          <a:lumMod val="65000"/>
+                        </a:schemeClr>
+                      </a:solidFill>
+                      <a:prstDash val="solid"/>
+                      <a:round/>
+                      <a:headEnd type="none" w="med" len="med"/>
+                      <a:tailEnd type="none" w="med" len="med"/>
+                    </a:lnB>
+                    <a:noFill/>
+                  </a:tcPr>
+                </a:tc>
+                <a:extLst>
+                  <a:ext uri="{0D108BD9-81ED-4DB2-BD59-A6C34878D82A}">
+                    <a16:rowId xmlns:a16="http://schemas.microsoft.com/office/drawing/2014/main" val="1466711860"/>
+                  </a:ext>
+                </a:extLst>
+              </a:tr>
+              <a:tr h="548640">
+                <a:tc>
+                  <a:txBody>
+                    <a:bodyPr/>
+                    <a:lstStyle/>
+                    <a:p>
+                      <a:pPr eaLnBrk="1" hangingPunct="1">
+                        <a:spcAft>
+                          <a:spcPts val="1800"/>
+                        </a:spcAft>
+                      </a:pPr>
+                      <a:r>
+                        <a:rPr lang="en-US" altLang="en-US" sz="2000" b="0" dirty="0">
+                          <a:solidFill>
+                            <a:schemeClr val="bg1">
+                              <a:lumMod val="65000"/>
+                            </a:schemeClr>
+                          </a:solidFill>
+                        </a:rPr>
+                        <a:t>The Common Toolsets</a:t>
+                      </a:r>
+                    </a:p>
+                  </a:txBody>
+                  <a:tcPr anchor="ctr">
+                    <a:lnT w="12700" cap="flat" cmpd="sng" algn="ctr">
+                      <a:solidFill>
+                        <a:schemeClr val="bg1">
+                          <a:lumMod val="65000"/>
+                        </a:schemeClr>
+                      </a:solidFill>
+                      <a:prstDash val="solid"/>
+                      <a:round/>
+                      <a:headEnd type="none" w="med" len="med"/>
+                      <a:tailEnd type="none" w="med" len="med"/>
+                    </a:lnT>
+                    <a:lnB w="12700" cap="flat" cmpd="sng" algn="ctr">
+                      <a:solidFill>
+                        <a:schemeClr val="bg1">
+                          <a:lumMod val="65000"/>
+                        </a:schemeClr>
+                      </a:solidFill>
+                      <a:prstDash val="solid"/>
+                      <a:round/>
+                      <a:headEnd type="none" w="med" len="med"/>
+                      <a:tailEnd type="none" w="med" len="med"/>
+                    </a:lnB>
+                    <a:noFill/>
+                  </a:tcPr>
+                </a:tc>
+                <a:extLst>
+                  <a:ext uri="{0D108BD9-81ED-4DB2-BD59-A6C34878D82A}">
+                    <a16:rowId xmlns:a16="http://schemas.microsoft.com/office/drawing/2014/main" val="1924402624"/>
+                  </a:ext>
+                </a:extLst>
+              </a:tr>
+              <a:tr h="548640">
+                <a:tc>
+                  <a:txBody>
+                    <a:bodyPr/>
+                    <a:lstStyle/>
+                    <a:p>
+                      <a:pPr>
+                        <a:lnSpc>
+                          <a:spcPct val="100000"/>
+                        </a:lnSpc>
+                        <a:spcAft>
+                          <a:spcPts val="0"/>
+                        </a:spcAft>
+                      </a:pPr>
+                      <a:r>
+                        <a:rPr lang="en-US" sz="2000" b="1" dirty="0">
+                          <a:solidFill>
+                            <a:schemeClr val="tx1"/>
+                          </a:solidFill>
+                        </a:rPr>
+                        <a:t>Chapter Summary</a:t>
+                      </a:r>
+                    </a:p>
+                  </a:txBody>
+                  <a:tcPr anchor="ctr">
+                    <a:lnT w="12700" cap="flat" cmpd="sng" algn="ctr">
+                      <a:solidFill>
+                        <a:schemeClr val="bg1">
+                          <a:lumMod val="65000"/>
+                        </a:schemeClr>
+                      </a:solidFill>
+                      <a:prstDash val="solid"/>
+                      <a:round/>
+                      <a:headEnd type="none" w="med" len="med"/>
+                      <a:tailEnd type="none" w="med" len="med"/>
+                    </a:lnT>
+                    <a:lnB w="12700" cap="flat" cmpd="sng" algn="ctr">
+                      <a:solidFill>
+                        <a:schemeClr val="bg1">
+                          <a:lumMod val="65000"/>
+                        </a:schemeClr>
+                      </a:solidFill>
+                      <a:prstDash val="solid"/>
+                      <a:round/>
+                      <a:headEnd type="none" w="med" len="med"/>
+                      <a:tailEnd type="none" w="med" len="med"/>
+                    </a:lnB>
+                    <a:noFill/>
+                  </a:tcPr>
+                </a:tc>
+                <a:extLst>
+                  <a:ext uri="{0D108BD9-81ED-4DB2-BD59-A6C34878D82A}">
+                    <a16:rowId xmlns:a16="http://schemas.microsoft.com/office/drawing/2014/main" val="376303497"/>
+                  </a:ext>
+                </a:extLst>
+              </a:tr>
+            </a:tbl>
+          </a:graphicData>
+        </a:graphic>
+      </p:graphicFrame>
     </p:spTree>
     <p:extLst>
       <p:ext uri="{BB962C8B-B14F-4D97-AF65-F5344CB8AC3E}">
@@ -14284,28 +13358,20 @@
           <a:p>
             <a:r>
               <a:rPr lang="en-US" dirty="0"/>
+              <a:t>What machine learning is</a:t>
+            </a:r>
+          </a:p>
+          <a:p>
+            <a:r>
+              <a:rPr lang="en-US" dirty="0"/>
+              <a:t>The basics of Python</a:t>
+            </a:r>
+          </a:p>
+          <a:p>
+            <a:r>
+              <a:rPr lang="en-US" dirty="0"/>
               <a:t>The toolset to be introduced in this course</a:t>
             </a:r>
-          </a:p>
-          <a:p>
-            <a:r>
-              <a:rPr lang="en-US" dirty="0"/>
-              <a:t>The basics </a:t>
-            </a:r>
-            <a:r>
-              <a:rPr lang="en-US"/>
-              <a:t>of Python</a:t>
-            </a:r>
-            <a:endParaRPr lang="en-US" dirty="0"/>
-          </a:p>
-          <a:p>
-            <a:r>
-              <a:rPr lang="en-US" dirty="0"/>
-              <a:t>Some ways in which data can be accessed and stored</a:t>
-            </a:r>
-          </a:p>
-          <a:p>
-            <a:endParaRPr lang="en-US" dirty="0"/>
           </a:p>
           <a:p>
             <a:endParaRPr lang="en-US" dirty="0"/>
@@ -14359,7 +13425,7 @@
           <a:p>
             <a:r>
               <a:rPr lang="en-US" dirty="0"/>
-              <a:t>Machine Learning goes beyond simply summarizing data and instead uses complex math to:</a:t>
+              <a:t>Machine learning goes beyond simply summarizing data and instead uses complex math to:</a:t>
             </a:r>
           </a:p>
           <a:p>
@@ -14513,7 +13579,14 @@
             <a:pPr lvl="1"/>
             <a:r>
               <a:rPr lang="en-US" dirty="0"/>
-              <a:t>What the future price of a commodity is likely to be based on weather forecast</a:t>
+              <a:t>What the future price of a commodity is likely to be based on</a:t>
+            </a:r>
+          </a:p>
+          <a:p>
+            <a:pPr lvl="1"/>
+            <a:r>
+              <a:rPr lang="en-US" dirty="0"/>
+              <a:t>Weather forecast</a:t>
             </a:r>
           </a:p>
           <a:p>
@@ -14553,7 +13626,7 @@
           <a:p>
             <a:r>
               <a:rPr lang="en-US" dirty="0"/>
-              <a:t>The methods used in Machine Learning transcend any one field or discipline and can be applied equally in the financial, medical, scientific, entertainment fields, and more</a:t>
+              <a:t>The methods used in machine learning transcend any one field or discipline and can be applied equally in the financial, medical, scientific, entertainment fields, and more</a:t>
             </a:r>
           </a:p>
           <a:p>
@@ -14798,7 +13871,7 @@
           <a:p>
             <a:r>
               <a:rPr lang="en-US" dirty="0"/>
-              <a:t>To use them you do not need to understand all the math behind them, but a rudimentary understanding helps</a:t>
+              <a:t>To use them, you do not need to understand all the math behind them, but a rudimentary understanding helps</a:t>
             </a:r>
           </a:p>
           <a:p>
@@ -14878,7 +13951,7 @@
           <a:p>
             <a:r>
               <a:rPr lang="en-US" dirty="0"/>
-              <a:t>There are a lot of different models and even within a particular type of model there are subtle variations and implementation differences</a:t>
+              <a:t>There are a lot of different models and even within a particular type of model, there are subtle variations and implementation differences</a:t>
             </a:r>
           </a:p>
           <a:p>
@@ -14993,12 +14066,7 @@
             <p:ph idx="1"/>
           </p:nvPr>
         </p:nvSpPr>
-        <p:spPr>
-          <a:xfrm>
-            <a:off x="635454" y="917557"/>
-            <a:ext cx="8020050" cy="5072616"/>
-          </a:xfrm>
-        </p:spPr>
+        <p:spPr/>
         <p:txBody>
           <a:bodyPr/>
           <a:lstStyle/>
@@ -15039,14 +14107,14 @@
             <a:pPr lvl="1"/>
             <a:r>
               <a:rPr lang="en-US" dirty="0"/>
-              <a:t>Examples</a:t>
+              <a:t>Examples:</a:t>
             </a:r>
           </a:p>
           <a:p>
             <a:pPr lvl="2"/>
             <a:r>
               <a:rPr lang="en-US" dirty="0"/>
-              <a:t>Regression - good for continuous values like predicting a price</a:t>
+              <a:t>Regression – good for continuous values like predicting a price</a:t>
             </a:r>
           </a:p>
           <a:p>
@@ -15059,7 +14127,7 @@
           <a:p>
             <a:r>
               <a:rPr lang="en-US" dirty="0"/>
-              <a:t>Requires you to have well labelled features and known values you are trying to predict</a:t>
+              <a:t>Requires you to have well labeled features and known values you are trying to predict</a:t>
             </a:r>
           </a:p>
           <a:p>
@@ -16316,20 +15384,6 @@
 </file>
 
 <file path=customXml/item1.xml><?xml version="1.0" encoding="utf-8"?>
-<p:properties xmlns:p="http://schemas.microsoft.com/office/2006/metadata/properties" xmlns:xsi="http://www.w3.org/2001/XMLSchema-instance" xmlns:pc="http://schemas.microsoft.com/office/infopath/2007/PartnerControls">
-  <documentManagement>
-    <_dlc_DocId xmlns="037063e9-a85e-4c78-8627-f1a9315663e5">EVEA5JW6U4JV-6-9956</_dlc_DocId>
-    <_dlc_DocIdUrl xmlns="037063e9-a85e-4c78-8627-f1a9315663e5">
-      <Url>https://portal.roitraining.com/Courses/_layouts/DocIdRedir.aspx?ID=EVEA5JW6U4JV-6-9956</Url>
-      <Description>EVEA5JW6U4JV-6-9956</Description>
-    </_dlc_DocIdUrl>
-    <Date_x0020_last_x0020_used xmlns="027ed24f-5970-4294-be5c-0919c5aaa214" xsi:nil="true"/>
-    <Customization_x0020_Information xmlns="027ed24f-5970-4294-be5c-0919c5aaa214" xsi:nil="true"/>
-  </documentManagement>
-</p:properties>
-</file>
-
-<file path=customXml/item2.xml><?xml version="1.0" encoding="utf-8"?>
 <ct:contentTypeSchema xmlns:ct="http://schemas.microsoft.com/office/2006/metadata/contentType" xmlns:ma="http://schemas.microsoft.com/office/2006/metadata/properties/metaAttributes" ct:_="" ma:_="" ma:contentTypeName="Document" ma:contentTypeID="0x0101006B08A054FD435346B287BB258D6D8C2A" ma:contentTypeVersion="2" ma:contentTypeDescription="Create a new document." ma:contentTypeScope="" ma:versionID="6146b90b4382322d8952632f355192b7">
   <xsd:schema xmlns:xsd="http://www.w3.org/2001/XMLSchema" xmlns:xs="http://www.w3.org/2001/XMLSchema" xmlns:p="http://schemas.microsoft.com/office/2006/metadata/properties" xmlns:ns2="027ed24f-5970-4294-be5c-0919c5aaa214" xmlns:ns3="037063e9-a85e-4c78-8627-f1a9315663e5" targetNamespace="http://schemas.microsoft.com/office/2006/metadata/properties" ma:root="true" ma:fieldsID="b5d91f802dafd2e22aeea528efbe2d3e" ns2:_="" ns3:_="">
     <xsd:import namespace="027ed24f-5970-4294-be5c-0919c5aaa214"/>
@@ -16495,7 +15549,7 @@
 </ct:contentTypeSchema>
 </file>
 
-<file path=customXml/item3.xml><?xml version="1.0" encoding="utf-8"?>
+<file path=customXml/item2.xml><?xml version="1.0" encoding="utf-8"?>
 <?mso-contentType ?>
 <FormTemplates xmlns="http://schemas.microsoft.com/sharepoint/v3/contenttype/forms">
   <Display>DocumentLibraryForm</Display>
@@ -16504,7 +15558,7 @@
 </FormTemplates>
 </file>
 
-<file path=customXml/item4.xml><?xml version="1.0" encoding="utf-8"?>
+<file path=customXml/item3.xml><?xml version="1.0" encoding="utf-8"?>
 <?mso-contentType ?>
 <spe:Receivers xmlns:spe="http://schemas.microsoft.com/sharepoint/events">
   <Receiver>
@@ -16550,18 +15604,21 @@
 </spe:Receivers>
 </file>
 
-<file path=customXml/itemProps1.xml><?xml version="1.0" encoding="utf-8"?>
-<ds:datastoreItem xmlns:ds="http://schemas.openxmlformats.org/officeDocument/2006/customXml" ds:itemID="{F47B9207-CE5C-49AD-B414-15CBFA246D65}">
-  <ds:schemaRefs>
-    <ds:schemaRef ds:uri="http://schemas.microsoft.com/office/2006/metadata/properties"/>
-    <ds:schemaRef ds:uri="http://schemas.microsoft.com/office/infopath/2007/PartnerControls"/>
-    <ds:schemaRef ds:uri="037063e9-a85e-4c78-8627-f1a9315663e5"/>
-    <ds:schemaRef ds:uri="027ed24f-5970-4294-be5c-0919c5aaa214"/>
-  </ds:schemaRefs>
-</ds:datastoreItem>
+<file path=customXml/item4.xml><?xml version="1.0" encoding="utf-8"?>
+<p:properties xmlns:p="http://schemas.microsoft.com/office/2006/metadata/properties" xmlns:xsi="http://www.w3.org/2001/XMLSchema-instance" xmlns:pc="http://schemas.microsoft.com/office/infopath/2007/PartnerControls">
+  <documentManagement>
+    <_dlc_DocId xmlns="037063e9-a85e-4c78-8627-f1a9315663e5">EVEA5JW6U4JV-6-9956</_dlc_DocId>
+    <_dlc_DocIdUrl xmlns="037063e9-a85e-4c78-8627-f1a9315663e5">
+      <Url>https://portal.roitraining.com/Courses/_layouts/DocIdRedir.aspx?ID=EVEA5JW6U4JV-6-9956</Url>
+      <Description>EVEA5JW6U4JV-6-9956</Description>
+    </_dlc_DocIdUrl>
+    <Date_x0020_last_x0020_used xmlns="027ed24f-5970-4294-be5c-0919c5aaa214" xsi:nil="true"/>
+    <Customization_x0020_Information xmlns="027ed24f-5970-4294-be5c-0919c5aaa214" xsi:nil="true"/>
+  </documentManagement>
+</p:properties>
 </file>
 
-<file path=customXml/itemProps2.xml><?xml version="1.0" encoding="utf-8"?>
+<file path=customXml/itemProps1.xml><?xml version="1.0" encoding="utf-8"?>
 <ds:datastoreItem xmlns:ds="http://schemas.openxmlformats.org/officeDocument/2006/customXml" ds:itemID="{E2652869-862B-4561-83FD-99999CA145D4}">
   <ds:schemaRefs>
     <ds:schemaRef ds:uri="http://schemas.microsoft.com/office/2006/metadata/contentType"/>
@@ -16580,7 +15637,7 @@
 </ds:datastoreItem>
 </file>
 
-<file path=customXml/itemProps3.xml><?xml version="1.0" encoding="utf-8"?>
+<file path=customXml/itemProps2.xml><?xml version="1.0" encoding="utf-8"?>
 <ds:datastoreItem xmlns:ds="http://schemas.openxmlformats.org/officeDocument/2006/customXml" ds:itemID="{2DA015F3-603C-4688-A5F3-81D587DAB8C9}">
   <ds:schemaRefs>
     <ds:schemaRef ds:uri="http://schemas.microsoft.com/sharepoint/v3/contenttype/forms"/>
@@ -16588,10 +15645,21 @@
 </ds:datastoreItem>
 </file>
 
-<file path=customXml/itemProps4.xml><?xml version="1.0" encoding="utf-8"?>
+<file path=customXml/itemProps3.xml><?xml version="1.0" encoding="utf-8"?>
 <ds:datastoreItem xmlns:ds="http://schemas.openxmlformats.org/officeDocument/2006/customXml" ds:itemID="{B9043294-8302-4947-B882-02D6486F929C}">
   <ds:schemaRefs>
     <ds:schemaRef ds:uri="http://schemas.microsoft.com/sharepoint/events"/>
   </ds:schemaRefs>
 </ds:datastoreItem>
+</file>
+
+<file path=customXml/itemProps4.xml><?xml version="1.0" encoding="utf-8"?>
+<ds:datastoreItem xmlns:ds="http://schemas.openxmlformats.org/officeDocument/2006/customXml" ds:itemID="{F47B9207-CE5C-49AD-B414-15CBFA246D65}">
+  <ds:schemaRefs>
+    <ds:schemaRef ds:uri="http://schemas.microsoft.com/office/2006/metadata/properties"/>
+    <ds:schemaRef ds:uri="http://schemas.microsoft.com/office/infopath/2007/PartnerControls"/>
+    <ds:schemaRef ds:uri="037063e9-a85e-4c78-8627-f1a9315663e5"/>
+    <ds:schemaRef ds:uri="027ed24f-5970-4294-be5c-0919c5aaa214"/>
+  </ds:schemaRefs>
+</ds:datastoreItem>
 </file>
--- a/811M-Ch01_ToolsetOverview.pptx
+++ b/811M-Ch01_ToolsetOverview.pptx
@@ -9436,7 +9436,7 @@
                 <a:cs typeface="Courier New" panose="02070309020205020404" pitchFamily="49" charset="0"/>
                 <a:sym typeface="Wingdings" pitchFamily="2" charset="2"/>
               </a:rPr>
-              <a:t>numbers[1:]  [1, 2, 3]</a:t>
+              <a:t>numbers[1:]  [2, 3, 4]</a:t>
             </a:r>
           </a:p>
           <a:p>
@@ -10772,7 +10772,7 @@
                 <a:cs typeface="Courier New" charset="0"/>
                 <a:sym typeface="Wingdings"/>
               </a:rPr>
-              <a:t> [20, 4, 50, 8, 10]</a:t>
+              <a:t> [20, 4, 60, 8, 10]</a:t>
             </a:r>
             <a:endParaRPr lang="en-US" sz="1750" dirty="0">
               <a:latin typeface="Courier New" charset="0"/>
@@ -12198,11 +12198,18 @@
           </a:p>
           <a:p>
             <a:r>
+              <a:rPr lang="en-US">
+                <a:latin typeface="Courier New" charset="0"/>
+                <a:cs typeface="Courier New" charset="0"/>
+              </a:rPr>
+              <a:t>import </a:t>
+            </a:r>
+            <a:r>
               <a:rPr lang="en-US" dirty="0">
                 <a:latin typeface="Courier New" charset="0"/>
                 <a:cs typeface="Courier New" charset="0"/>
               </a:rPr>
-              <a:t>Import seaborn as sns</a:t>
+              <a:t>seaborn as sns</a:t>
             </a:r>
             <a:endParaRPr lang="en-US" dirty="0"/>
           </a:p>
@@ -15384,6 +15391,15 @@
 </file>
 
 <file path=customXml/item1.xml><?xml version="1.0" encoding="utf-8"?>
+<?mso-contentType ?>
+<FormTemplates xmlns="http://schemas.microsoft.com/sharepoint/v3/contenttype/forms">
+  <Display>DocumentLibraryForm</Display>
+  <Edit>DocumentLibraryForm</Edit>
+  <New>DocumentLibraryForm</New>
+</FormTemplates>
+</file>
+
+<file path=customXml/item2.xml><?xml version="1.0" encoding="utf-8"?>
 <ct:contentTypeSchema xmlns:ct="http://schemas.microsoft.com/office/2006/metadata/contentType" xmlns:ma="http://schemas.microsoft.com/office/2006/metadata/properties/metaAttributes" ct:_="" ma:_="" ma:contentTypeName="Document" ma:contentTypeID="0x0101006B08A054FD435346B287BB258D6D8C2A" ma:contentTypeVersion="2" ma:contentTypeDescription="Create a new document." ma:contentTypeScope="" ma:versionID="6146b90b4382322d8952632f355192b7">
   <xsd:schema xmlns:xsd="http://www.w3.org/2001/XMLSchema" xmlns:xs="http://www.w3.org/2001/XMLSchema" xmlns:p="http://schemas.microsoft.com/office/2006/metadata/properties" xmlns:ns2="027ed24f-5970-4294-be5c-0919c5aaa214" xmlns:ns3="037063e9-a85e-4c78-8627-f1a9315663e5" targetNamespace="http://schemas.microsoft.com/office/2006/metadata/properties" ma:root="true" ma:fieldsID="b5d91f802dafd2e22aeea528efbe2d3e" ns2:_="" ns3:_="">
     <xsd:import namespace="027ed24f-5970-4294-be5c-0919c5aaa214"/>
@@ -15549,16 +15565,21 @@
 </ct:contentTypeSchema>
 </file>
 
-<file path=customXml/item2.xml><?xml version="1.0" encoding="utf-8"?>
-<?mso-contentType ?>
-<FormTemplates xmlns="http://schemas.microsoft.com/sharepoint/v3/contenttype/forms">
-  <Display>DocumentLibraryForm</Display>
-  <Edit>DocumentLibraryForm</Edit>
-  <New>DocumentLibraryForm</New>
-</FormTemplates>
+<file path=customXml/item3.xml><?xml version="1.0" encoding="utf-8"?>
+<p:properties xmlns:p="http://schemas.microsoft.com/office/2006/metadata/properties" xmlns:xsi="http://www.w3.org/2001/XMLSchema-instance" xmlns:pc="http://schemas.microsoft.com/office/infopath/2007/PartnerControls">
+  <documentManagement>
+    <_dlc_DocId xmlns="037063e9-a85e-4c78-8627-f1a9315663e5">EVEA5JW6U4JV-6-9956</_dlc_DocId>
+    <_dlc_DocIdUrl xmlns="037063e9-a85e-4c78-8627-f1a9315663e5">
+      <Url>https://portal.roitraining.com/Courses/_layouts/DocIdRedir.aspx?ID=EVEA5JW6U4JV-6-9956</Url>
+      <Description>EVEA5JW6U4JV-6-9956</Description>
+    </_dlc_DocIdUrl>
+    <Date_x0020_last_x0020_used xmlns="027ed24f-5970-4294-be5c-0919c5aaa214" xsi:nil="true"/>
+    <Customization_x0020_Information xmlns="027ed24f-5970-4294-be5c-0919c5aaa214" xsi:nil="true"/>
+  </documentManagement>
+</p:properties>
 </file>
 
-<file path=customXml/item3.xml><?xml version="1.0" encoding="utf-8"?>
+<file path=customXml/item4.xml><?xml version="1.0" encoding="utf-8"?>
 <?mso-contentType ?>
 <spe:Receivers xmlns:spe="http://schemas.microsoft.com/sharepoint/events">
   <Receiver>
@@ -15604,21 +15625,15 @@
 </spe:Receivers>
 </file>
 
-<file path=customXml/item4.xml><?xml version="1.0" encoding="utf-8"?>
-<p:properties xmlns:p="http://schemas.microsoft.com/office/2006/metadata/properties" xmlns:xsi="http://www.w3.org/2001/XMLSchema-instance" xmlns:pc="http://schemas.microsoft.com/office/infopath/2007/PartnerControls">
-  <documentManagement>
-    <_dlc_DocId xmlns="037063e9-a85e-4c78-8627-f1a9315663e5">EVEA5JW6U4JV-6-9956</_dlc_DocId>
-    <_dlc_DocIdUrl xmlns="037063e9-a85e-4c78-8627-f1a9315663e5">
-      <Url>https://portal.roitraining.com/Courses/_layouts/DocIdRedir.aspx?ID=EVEA5JW6U4JV-6-9956</Url>
-      <Description>EVEA5JW6U4JV-6-9956</Description>
-    </_dlc_DocIdUrl>
-    <Date_x0020_last_x0020_used xmlns="027ed24f-5970-4294-be5c-0919c5aaa214" xsi:nil="true"/>
-    <Customization_x0020_Information xmlns="027ed24f-5970-4294-be5c-0919c5aaa214" xsi:nil="true"/>
-  </documentManagement>
-</p:properties>
+<file path=customXml/itemProps1.xml><?xml version="1.0" encoding="utf-8"?>
+<ds:datastoreItem xmlns:ds="http://schemas.openxmlformats.org/officeDocument/2006/customXml" ds:itemID="{2DA015F3-603C-4688-A5F3-81D587DAB8C9}">
+  <ds:schemaRefs>
+    <ds:schemaRef ds:uri="http://schemas.microsoft.com/sharepoint/v3/contenttype/forms"/>
+  </ds:schemaRefs>
+</ds:datastoreItem>
 </file>
 
-<file path=customXml/itemProps1.xml><?xml version="1.0" encoding="utf-8"?>
+<file path=customXml/itemProps2.xml><?xml version="1.0" encoding="utf-8"?>
 <ds:datastoreItem xmlns:ds="http://schemas.openxmlformats.org/officeDocument/2006/customXml" ds:itemID="{E2652869-862B-4561-83FD-99999CA145D4}">
   <ds:schemaRefs>
     <ds:schemaRef ds:uri="http://schemas.microsoft.com/office/2006/metadata/contentType"/>
@@ -15637,23 +15652,7 @@
 </ds:datastoreItem>
 </file>
 
-<file path=customXml/itemProps2.xml><?xml version="1.0" encoding="utf-8"?>
-<ds:datastoreItem xmlns:ds="http://schemas.openxmlformats.org/officeDocument/2006/customXml" ds:itemID="{2DA015F3-603C-4688-A5F3-81D587DAB8C9}">
-  <ds:schemaRefs>
-    <ds:schemaRef ds:uri="http://schemas.microsoft.com/sharepoint/v3/contenttype/forms"/>
-  </ds:schemaRefs>
-</ds:datastoreItem>
-</file>
-
 <file path=customXml/itemProps3.xml><?xml version="1.0" encoding="utf-8"?>
-<ds:datastoreItem xmlns:ds="http://schemas.openxmlformats.org/officeDocument/2006/customXml" ds:itemID="{B9043294-8302-4947-B882-02D6486F929C}">
-  <ds:schemaRefs>
-    <ds:schemaRef ds:uri="http://schemas.microsoft.com/sharepoint/events"/>
-  </ds:schemaRefs>
-</ds:datastoreItem>
-</file>
-
-<file path=customXml/itemProps4.xml><?xml version="1.0" encoding="utf-8"?>
 <ds:datastoreItem xmlns:ds="http://schemas.openxmlformats.org/officeDocument/2006/customXml" ds:itemID="{F47B9207-CE5C-49AD-B414-15CBFA246D65}">
   <ds:schemaRefs>
     <ds:schemaRef ds:uri="http://schemas.microsoft.com/office/2006/metadata/properties"/>
@@ -15662,4 +15661,12 @@
     <ds:schemaRef ds:uri="027ed24f-5970-4294-be5c-0919c5aaa214"/>
   </ds:schemaRefs>
 </ds:datastoreItem>
+</file>
+
+<file path=customXml/itemProps4.xml><?xml version="1.0" encoding="utf-8"?>
+<ds:datastoreItem xmlns:ds="http://schemas.openxmlformats.org/officeDocument/2006/customXml" ds:itemID="{B9043294-8302-4947-B882-02D6486F929C}">
+  <ds:schemaRefs>
+    <ds:schemaRef ds:uri="http://schemas.microsoft.com/sharepoint/events"/>
+  </ds:schemaRefs>
+</ds:datastoreItem>
 </file>
--- a/811M-Ch01_ToolsetOverview.pptx
+++ b/811M-Ch01_ToolsetOverview.pptx
@@ -15391,12 +15391,17 @@
 </file>
 
 <file path=customXml/item1.xml><?xml version="1.0" encoding="utf-8"?>
-<?mso-contentType ?>
-<FormTemplates xmlns="http://schemas.microsoft.com/sharepoint/v3/contenttype/forms">
-  <Display>DocumentLibraryForm</Display>
-  <Edit>DocumentLibraryForm</Edit>
-  <New>DocumentLibraryForm</New>
-</FormTemplates>
+<p:properties xmlns:p="http://schemas.microsoft.com/office/2006/metadata/properties" xmlns:xsi="http://www.w3.org/2001/XMLSchema-instance" xmlns:pc="http://schemas.microsoft.com/office/infopath/2007/PartnerControls">
+  <documentManagement>
+    <_dlc_DocId xmlns="037063e9-a85e-4c78-8627-f1a9315663e5">EVEA5JW6U4JV-6-9956</_dlc_DocId>
+    <_dlc_DocIdUrl xmlns="037063e9-a85e-4c78-8627-f1a9315663e5">
+      <Url>https://portal.roitraining.com/Courses/_layouts/DocIdRedir.aspx?ID=EVEA5JW6U4JV-6-9956</Url>
+      <Description>EVEA5JW6U4JV-6-9956</Description>
+    </_dlc_DocIdUrl>
+    <Date_x0020_last_x0020_used xmlns="027ed24f-5970-4294-be5c-0919c5aaa214" xsi:nil="true"/>
+    <Customization_x0020_Information xmlns="027ed24f-5970-4294-be5c-0919c5aaa214" xsi:nil="true"/>
+  </documentManagement>
+</p:properties>
 </file>
 
 <file path=customXml/item2.xml><?xml version="1.0" encoding="utf-8"?>
@@ -15566,17 +15571,12 @@
 </file>
 
 <file path=customXml/item3.xml><?xml version="1.0" encoding="utf-8"?>
-<p:properties xmlns:p="http://schemas.microsoft.com/office/2006/metadata/properties" xmlns:xsi="http://www.w3.org/2001/XMLSchema-instance" xmlns:pc="http://schemas.microsoft.com/office/infopath/2007/PartnerControls">
-  <documentManagement>
-    <_dlc_DocId xmlns="037063e9-a85e-4c78-8627-f1a9315663e5">EVEA5JW6U4JV-6-9956</_dlc_DocId>
-    <_dlc_DocIdUrl xmlns="037063e9-a85e-4c78-8627-f1a9315663e5">
-      <Url>https://portal.roitraining.com/Courses/_layouts/DocIdRedir.aspx?ID=EVEA5JW6U4JV-6-9956</Url>
-      <Description>EVEA5JW6U4JV-6-9956</Description>
-    </_dlc_DocIdUrl>
-    <Date_x0020_last_x0020_used xmlns="027ed24f-5970-4294-be5c-0919c5aaa214" xsi:nil="true"/>
-    <Customization_x0020_Information xmlns="027ed24f-5970-4294-be5c-0919c5aaa214" xsi:nil="true"/>
-  </documentManagement>
-</p:properties>
+<?mso-contentType ?>
+<FormTemplates xmlns="http://schemas.microsoft.com/sharepoint/v3/contenttype/forms">
+  <Display>DocumentLibraryForm</Display>
+  <Edit>DocumentLibraryForm</Edit>
+  <New>DocumentLibraryForm</New>
+</FormTemplates>
 </file>
 
 <file path=customXml/item4.xml><?xml version="1.0" encoding="utf-8"?>
@@ -15626,9 +15626,18 @@
 </file>
 
 <file path=customXml/itemProps1.xml><?xml version="1.0" encoding="utf-8"?>
-<ds:datastoreItem xmlns:ds="http://schemas.openxmlformats.org/officeDocument/2006/customXml" ds:itemID="{2DA015F3-603C-4688-A5F3-81D587DAB8C9}">
+<ds:datastoreItem xmlns:ds="http://schemas.openxmlformats.org/officeDocument/2006/customXml" ds:itemID="{F47B9207-CE5C-49AD-B414-15CBFA246D65}">
   <ds:schemaRefs>
-    <ds:schemaRef ds:uri="http://schemas.microsoft.com/sharepoint/v3/contenttype/forms"/>
+    <ds:schemaRef ds:uri="http://purl.org/dc/terms/"/>
+    <ds:schemaRef ds:uri="http://schemas.microsoft.com/office/2006/metadata/properties"/>
+    <ds:schemaRef ds:uri="http://schemas.microsoft.com/office/2006/documentManagement/types"/>
+    <ds:schemaRef ds:uri="http://purl.org/dc/elements/1.1/"/>
+    <ds:schemaRef ds:uri="037063e9-a85e-4c78-8627-f1a9315663e5"/>
+    <ds:schemaRef ds:uri="http://www.w3.org/XML/1998/namespace"/>
+    <ds:schemaRef ds:uri="http://schemas.microsoft.com/office/infopath/2007/PartnerControls"/>
+    <ds:schemaRef ds:uri="http://schemas.openxmlformats.org/package/2006/metadata/core-properties"/>
+    <ds:schemaRef ds:uri="027ed24f-5970-4294-be5c-0919c5aaa214"/>
+    <ds:schemaRef ds:uri="http://purl.org/dc/dcmitype/"/>
   </ds:schemaRefs>
 </ds:datastoreItem>
 </file>
@@ -15653,12 +15662,9 @@
 </file>
 
 <file path=customXml/itemProps3.xml><?xml version="1.0" encoding="utf-8"?>
-<ds:datastoreItem xmlns:ds="http://schemas.openxmlformats.org/officeDocument/2006/customXml" ds:itemID="{F47B9207-CE5C-49AD-B414-15CBFA246D65}">
+<ds:datastoreItem xmlns:ds="http://schemas.openxmlformats.org/officeDocument/2006/customXml" ds:itemID="{2DA015F3-603C-4688-A5F3-81D587DAB8C9}">
   <ds:schemaRefs>
-    <ds:schemaRef ds:uri="http://schemas.microsoft.com/office/2006/metadata/properties"/>
-    <ds:schemaRef ds:uri="http://schemas.microsoft.com/office/infopath/2007/PartnerControls"/>
-    <ds:schemaRef ds:uri="037063e9-a85e-4c78-8627-f1a9315663e5"/>
-    <ds:schemaRef ds:uri="027ed24f-5970-4294-be5c-0919c5aaa214"/>
+    <ds:schemaRef ds:uri="http://schemas.microsoft.com/sharepoint/v3/contenttype/forms"/>
   </ds:schemaRefs>
 </ds:datastoreItem>
 </file>
